--- a/Final.pptx
+++ b/Final.pptx
@@ -6,6 +6,13 @@
   </p:sldMasterIdLst>
   <p:sldIdLst>
     <p:sldId id="256" r:id="rId2"/>
+    <p:sldId id="262" r:id="rId3"/>
+    <p:sldId id="257" r:id="rId4"/>
+    <p:sldId id="258" r:id="rId5"/>
+    <p:sldId id="259" r:id="rId6"/>
+    <p:sldId id="260" r:id="rId7"/>
+    <p:sldId id="261" r:id="rId8"/>
+    <p:sldId id="263" r:id="rId9"/>
   </p:sldIdLst>
   <p:sldSz cx="9144000" cy="6858000" type="screen4x3"/>
   <p:notesSz cx="6858000" cy="9144000"/>
@@ -104,6 +111,11 @@
       </a:defRPr>
     </a:lvl9pPr>
   </p:defaultTextStyle>
+  <p:extLst>
+    <p:ext uri="{EFAFB233-063F-42B5-8137-9DF3F51BA10A}">
+      <p15:sldGuideLst xmlns:p15="http://schemas.microsoft.com/office/powerpoint/2012/main"/>
+    </p:ext>
+  </p:extLst>
 </p:presentation>
 </file>
 
@@ -238,7 +250,7 @@
           <a:p>
             <a:fld id="{F981AB2F-1B29-427D-BB21-D6FB376EC33A}" type="datetimeFigureOut">
               <a:rPr lang="en-US" smtClean="0"/>
-              <a:t>3/4/2020</a:t>
+              <a:t>3/5/2020</a:t>
             </a:fld>
             <a:endParaRPr lang="en-US"/>
           </a:p>
@@ -408,7 +420,7 @@
           <a:p>
             <a:fld id="{F981AB2F-1B29-427D-BB21-D6FB376EC33A}" type="datetimeFigureOut">
               <a:rPr lang="en-US" smtClean="0"/>
-              <a:t>3/4/2020</a:t>
+              <a:t>3/5/2020</a:t>
             </a:fld>
             <a:endParaRPr lang="en-US"/>
           </a:p>
@@ -588,7 +600,7 @@
           <a:p>
             <a:fld id="{F981AB2F-1B29-427D-BB21-D6FB376EC33A}" type="datetimeFigureOut">
               <a:rPr lang="en-US" smtClean="0"/>
-              <a:t>3/4/2020</a:t>
+              <a:t>3/5/2020</a:t>
             </a:fld>
             <a:endParaRPr lang="en-US"/>
           </a:p>
@@ -758,7 +770,7 @@
           <a:p>
             <a:fld id="{F981AB2F-1B29-427D-BB21-D6FB376EC33A}" type="datetimeFigureOut">
               <a:rPr lang="en-US" smtClean="0"/>
-              <a:t>3/4/2020</a:t>
+              <a:t>3/5/2020</a:t>
             </a:fld>
             <a:endParaRPr lang="en-US"/>
           </a:p>
@@ -1002,7 +1014,7 @@
           <a:p>
             <a:fld id="{F981AB2F-1B29-427D-BB21-D6FB376EC33A}" type="datetimeFigureOut">
               <a:rPr lang="en-US" smtClean="0"/>
-              <a:t>3/4/2020</a:t>
+              <a:t>3/5/2020</a:t>
             </a:fld>
             <a:endParaRPr lang="en-US"/>
           </a:p>
@@ -1234,7 +1246,7 @@
           <a:p>
             <a:fld id="{F981AB2F-1B29-427D-BB21-D6FB376EC33A}" type="datetimeFigureOut">
               <a:rPr lang="en-US" smtClean="0"/>
-              <a:t>3/4/2020</a:t>
+              <a:t>3/5/2020</a:t>
             </a:fld>
             <a:endParaRPr lang="en-US"/>
           </a:p>
@@ -1601,7 +1613,7 @@
           <a:p>
             <a:fld id="{F981AB2F-1B29-427D-BB21-D6FB376EC33A}" type="datetimeFigureOut">
               <a:rPr lang="en-US" smtClean="0"/>
-              <a:t>3/4/2020</a:t>
+              <a:t>3/5/2020</a:t>
             </a:fld>
             <a:endParaRPr lang="en-US"/>
           </a:p>
@@ -1719,7 +1731,7 @@
           <a:p>
             <a:fld id="{F981AB2F-1B29-427D-BB21-D6FB376EC33A}" type="datetimeFigureOut">
               <a:rPr lang="en-US" smtClean="0"/>
-              <a:t>3/4/2020</a:t>
+              <a:t>3/5/2020</a:t>
             </a:fld>
             <a:endParaRPr lang="en-US"/>
           </a:p>
@@ -1814,7 +1826,7 @@
           <a:p>
             <a:fld id="{F981AB2F-1B29-427D-BB21-D6FB376EC33A}" type="datetimeFigureOut">
               <a:rPr lang="en-US" smtClean="0"/>
-              <a:t>3/4/2020</a:t>
+              <a:t>3/5/2020</a:t>
             </a:fld>
             <a:endParaRPr lang="en-US"/>
           </a:p>
@@ -2091,7 +2103,7 @@
           <a:p>
             <a:fld id="{F981AB2F-1B29-427D-BB21-D6FB376EC33A}" type="datetimeFigureOut">
               <a:rPr lang="en-US" smtClean="0"/>
-              <a:t>3/4/2020</a:t>
+              <a:t>3/5/2020</a:t>
             </a:fld>
             <a:endParaRPr lang="en-US"/>
           </a:p>
@@ -2348,7 +2360,7 @@
           <a:p>
             <a:fld id="{F981AB2F-1B29-427D-BB21-D6FB376EC33A}" type="datetimeFigureOut">
               <a:rPr lang="en-US" smtClean="0"/>
-              <a:t>3/4/2020</a:t>
+              <a:t>3/5/2020</a:t>
             </a:fld>
             <a:endParaRPr lang="en-US"/>
           </a:p>
@@ -2561,7 +2573,7 @@
           <a:p>
             <a:fld id="{F981AB2F-1B29-427D-BB21-D6FB376EC33A}" type="datetimeFigureOut">
               <a:rPr lang="en-US" smtClean="0"/>
-              <a:t>3/4/2020</a:t>
+              <a:t>3/5/2020</a:t>
             </a:fld>
             <a:endParaRPr lang="en-US"/>
           </a:p>
@@ -2982,7 +2994,12 @@
             <p:ph type="ctrTitle"/>
           </p:nvPr>
         </p:nvSpPr>
-        <p:spPr/>
+        <p:spPr>
+          <a:xfrm>
+            <a:off x="685800" y="813732"/>
+            <a:ext cx="7772400" cy="2390863"/>
+          </a:xfrm>
+        </p:spPr>
         <p:txBody>
           <a:bodyPr>
             <a:normAutofit fontScale="90000"/>
@@ -3023,12 +3040,14 @@
         </p:nvSpPr>
         <p:spPr>
           <a:xfrm>
-            <a:off x="1143000" y="4546832"/>
-            <a:ext cx="6858000" cy="710967"/>
+            <a:off x="1143000" y="3816990"/>
+            <a:ext cx="6858000" cy="2189527"/>
           </a:xfrm>
         </p:spPr>
         <p:txBody>
-          <a:bodyPr/>
+          <a:bodyPr>
+            <a:normAutofit lnSpcReduction="10000"/>
+          </a:bodyPr>
           <a:lstStyle/>
           <a:p>
             <a:r>
@@ -3039,6 +3058,30 @@
               <a:rPr lang="en-US" dirty="0"/>
               <a:t>REST API</a:t>
             </a:r>
+            <a:endParaRPr lang="el-GR" dirty="0"/>
+          </a:p>
+          <a:p>
+            <a:endParaRPr lang="el-GR" dirty="0"/>
+          </a:p>
+          <a:p>
+            <a:endParaRPr lang="el-GR" dirty="0"/>
+          </a:p>
+          <a:p>
+            <a:r>
+              <a:rPr lang="el-GR" dirty="0" err="1"/>
+              <a:t>Κώτσης</a:t>
+            </a:r>
+            <a:r>
+              <a:rPr lang="el-GR" dirty="0"/>
+              <a:t> Στάθης</a:t>
+            </a:r>
+          </a:p>
+          <a:p>
+            <a:r>
+              <a:rPr lang="el-GR" dirty="0"/>
+              <a:t>Σταθόπουλος Παύλος</a:t>
+            </a:r>
+            <a:endParaRPr lang="en-US" dirty="0"/>
           </a:p>
         </p:txBody>
       </p:sp>
@@ -3046,6 +3089,772 @@
     <p:extLst>
       <p:ext uri="{BB962C8B-B14F-4D97-AF65-F5344CB8AC3E}">
         <p14:creationId xmlns:p14="http://schemas.microsoft.com/office/powerpoint/2010/main" val="2565490688"/>
+      </p:ext>
+    </p:extLst>
+  </p:cSld>
+  <p:clrMapOvr>
+    <a:masterClrMapping/>
+  </p:clrMapOvr>
+</p:sld>
+</file>
+
+<file path=ppt/slides/slide2.xml><?xml version="1.0" encoding="utf-8"?>
+<p:sld xmlns:a="http://schemas.openxmlformats.org/drawingml/2006/main" xmlns:r="http://schemas.openxmlformats.org/officeDocument/2006/relationships" xmlns:p="http://schemas.openxmlformats.org/presentationml/2006/main">
+  <p:cSld>
+    <p:spTree>
+      <p:nvGrpSpPr>
+        <p:cNvPr id="1" name=""/>
+        <p:cNvGrpSpPr/>
+        <p:nvPr/>
+      </p:nvGrpSpPr>
+      <p:grpSpPr>
+        <a:xfrm>
+          <a:off x="0" y="0"/>
+          <a:ext cx="0" cy="0"/>
+          <a:chOff x="0" y="0"/>
+          <a:chExt cx="0" cy="0"/>
+        </a:xfrm>
+      </p:grpSpPr>
+      <p:sp>
+        <p:nvSpPr>
+          <p:cNvPr id="2" name="Title 1">
+            <a:extLst>
+              <a:ext uri="{FF2B5EF4-FFF2-40B4-BE49-F238E27FC236}">
+                <a16:creationId xmlns:a16="http://schemas.microsoft.com/office/drawing/2014/main" id="{CF32D077-C526-432F-9B1D-63519E97FDAE}"/>
+              </a:ext>
+            </a:extLst>
+          </p:cNvPr>
+          <p:cNvSpPr>
+            <a:spLocks noGrp="1"/>
+          </p:cNvSpPr>
+          <p:nvPr>
+            <p:ph type="title"/>
+          </p:nvPr>
+        </p:nvSpPr>
+        <p:spPr/>
+        <p:txBody>
+          <a:bodyPr>
+            <a:normAutofit/>
+          </a:bodyPr>
+          <a:lstStyle/>
+          <a:p>
+            <a:r>
+              <a:rPr lang="en-US" sz="4000" dirty="0"/>
+              <a:t>Frameworks </a:t>
+            </a:r>
+            <a:r>
+              <a:rPr lang="el-GR" sz="4000" dirty="0"/>
+              <a:t>που χρησιμοποιήθηκαν</a:t>
+            </a:r>
+            <a:endParaRPr lang="en-US" sz="4000" dirty="0"/>
+          </a:p>
+        </p:txBody>
+      </p:sp>
+      <p:sp>
+        <p:nvSpPr>
+          <p:cNvPr id="3" name="Content Placeholder 2">
+            <a:extLst>
+              <a:ext uri="{FF2B5EF4-FFF2-40B4-BE49-F238E27FC236}">
+                <a16:creationId xmlns:a16="http://schemas.microsoft.com/office/drawing/2014/main" id="{F4807AFD-5C05-4114-99EF-CF4A30AA0F3A}"/>
+              </a:ext>
+            </a:extLst>
+          </p:cNvPr>
+          <p:cNvSpPr>
+            <a:spLocks noGrp="1"/>
+          </p:cNvSpPr>
+          <p:nvPr>
+            <p:ph idx="1"/>
+          </p:nvPr>
+        </p:nvSpPr>
+        <p:spPr/>
+        <p:txBody>
+          <a:bodyPr/>
+          <a:lstStyle/>
+          <a:p>
+            <a:r>
+              <a:rPr lang="el-GR" u="sng" dirty="0"/>
+              <a:t>ASP.NET </a:t>
+            </a:r>
+            <a:r>
+              <a:rPr lang="el-GR" u="sng" dirty="0" err="1"/>
+              <a:t>Core</a:t>
+            </a:r>
+            <a:r>
+              <a:rPr lang="el-GR" dirty="0"/>
+              <a:t> για το API</a:t>
+            </a:r>
+          </a:p>
+          <a:p>
+            <a:r>
+              <a:rPr lang="el-GR" u="sng" dirty="0" err="1"/>
+              <a:t>SQLite</a:t>
+            </a:r>
+            <a:r>
+              <a:rPr lang="el-GR" dirty="0"/>
+              <a:t> για την αποθήκευση δεδομένων</a:t>
+            </a:r>
+          </a:p>
+          <a:p>
+            <a:r>
+              <a:rPr lang="en-US" u="sng" dirty="0"/>
+              <a:t>OpenID Connect bearer token</a:t>
+            </a:r>
+            <a:r>
+              <a:rPr lang="el-GR" dirty="0"/>
+              <a:t> για την πιστοποίηση χρηστών</a:t>
+            </a:r>
+          </a:p>
+          <a:p>
+            <a:endParaRPr lang="en-US" dirty="0"/>
+          </a:p>
+        </p:txBody>
+      </p:sp>
+    </p:spTree>
+    <p:extLst>
+      <p:ext uri="{BB962C8B-B14F-4D97-AF65-F5344CB8AC3E}">
+        <p14:creationId xmlns:p14="http://schemas.microsoft.com/office/powerpoint/2010/main" val="4194755148"/>
+      </p:ext>
+    </p:extLst>
+  </p:cSld>
+  <p:clrMapOvr>
+    <a:masterClrMapping/>
+  </p:clrMapOvr>
+</p:sld>
+</file>
+
+<file path=ppt/slides/slide3.xml><?xml version="1.0" encoding="utf-8"?>
+<p:sld xmlns:a="http://schemas.openxmlformats.org/drawingml/2006/main" xmlns:r="http://schemas.openxmlformats.org/officeDocument/2006/relationships" xmlns:p="http://schemas.openxmlformats.org/presentationml/2006/main">
+  <p:cSld>
+    <p:spTree>
+      <p:nvGrpSpPr>
+        <p:cNvPr id="1" name=""/>
+        <p:cNvGrpSpPr/>
+        <p:nvPr/>
+      </p:nvGrpSpPr>
+      <p:grpSpPr>
+        <a:xfrm>
+          <a:off x="0" y="0"/>
+          <a:ext cx="0" cy="0"/>
+          <a:chOff x="0" y="0"/>
+          <a:chExt cx="0" cy="0"/>
+        </a:xfrm>
+      </p:grpSpPr>
+      <p:sp>
+        <p:nvSpPr>
+          <p:cNvPr id="2" name="Title 1">
+            <a:extLst>
+              <a:ext uri="{FF2B5EF4-FFF2-40B4-BE49-F238E27FC236}">
+                <a16:creationId xmlns:a16="http://schemas.microsoft.com/office/drawing/2014/main" id="{A9F4F298-F300-4839-9AC8-CAEF46C81C45}"/>
+              </a:ext>
+            </a:extLst>
+          </p:cNvPr>
+          <p:cNvSpPr>
+            <a:spLocks noGrp="1"/>
+          </p:cNvSpPr>
+          <p:nvPr>
+            <p:ph type="title"/>
+          </p:nvPr>
+        </p:nvSpPr>
+        <p:spPr/>
+        <p:txBody>
+          <a:bodyPr/>
+          <a:lstStyle/>
+          <a:p>
+            <a:r>
+              <a:rPr lang="el-GR" dirty="0"/>
+              <a:t>Δεδομένα</a:t>
+            </a:r>
+            <a:endParaRPr lang="en-US" dirty="0"/>
+          </a:p>
+        </p:txBody>
+      </p:sp>
+      <p:sp>
+        <p:nvSpPr>
+          <p:cNvPr id="3" name="Content Placeholder 2">
+            <a:extLst>
+              <a:ext uri="{FF2B5EF4-FFF2-40B4-BE49-F238E27FC236}">
+                <a16:creationId xmlns:a16="http://schemas.microsoft.com/office/drawing/2014/main" id="{DDF70589-DB91-4886-923A-5B6BB60A8FD5}"/>
+              </a:ext>
+            </a:extLst>
+          </p:cNvPr>
+          <p:cNvSpPr>
+            <a:spLocks noGrp="1"/>
+          </p:cNvSpPr>
+          <p:nvPr>
+            <p:ph idx="1"/>
+          </p:nvPr>
+        </p:nvSpPr>
+        <p:spPr/>
+        <p:txBody>
+          <a:bodyPr/>
+          <a:lstStyle/>
+          <a:p>
+            <a:r>
+              <a:rPr lang="el-GR" dirty="0"/>
+              <a:t>Χρήστες</a:t>
+            </a:r>
+            <a:endParaRPr lang="en-US" dirty="0"/>
+          </a:p>
+          <a:p>
+            <a:r>
+              <a:rPr lang="el-GR" dirty="0"/>
+              <a:t>Πάροχοι</a:t>
+            </a:r>
+          </a:p>
+          <a:p>
+            <a:r>
+              <a:rPr lang="el-GR" dirty="0"/>
+              <a:t>Συνδέσεις</a:t>
+            </a:r>
+            <a:endParaRPr lang="en-US" dirty="0"/>
+          </a:p>
+        </p:txBody>
+      </p:sp>
+    </p:spTree>
+    <p:extLst>
+      <p:ext uri="{BB962C8B-B14F-4D97-AF65-F5344CB8AC3E}">
+        <p14:creationId xmlns:p14="http://schemas.microsoft.com/office/powerpoint/2010/main" val="2533218340"/>
+      </p:ext>
+    </p:extLst>
+  </p:cSld>
+  <p:clrMapOvr>
+    <a:masterClrMapping/>
+  </p:clrMapOvr>
+</p:sld>
+</file>
+
+<file path=ppt/slides/slide4.xml><?xml version="1.0" encoding="utf-8"?>
+<p:sld xmlns:a="http://schemas.openxmlformats.org/drawingml/2006/main" xmlns:r="http://schemas.openxmlformats.org/officeDocument/2006/relationships" xmlns:p="http://schemas.openxmlformats.org/presentationml/2006/main">
+  <p:cSld>
+    <p:spTree>
+      <p:nvGrpSpPr>
+        <p:cNvPr id="1" name=""/>
+        <p:cNvGrpSpPr/>
+        <p:nvPr/>
+      </p:nvGrpSpPr>
+      <p:grpSpPr>
+        <a:xfrm>
+          <a:off x="0" y="0"/>
+          <a:ext cx="0" cy="0"/>
+          <a:chOff x="0" y="0"/>
+          <a:chExt cx="0" cy="0"/>
+        </a:xfrm>
+      </p:grpSpPr>
+      <p:sp>
+        <p:nvSpPr>
+          <p:cNvPr id="2" name="Title 1">
+            <a:extLst>
+              <a:ext uri="{FF2B5EF4-FFF2-40B4-BE49-F238E27FC236}">
+                <a16:creationId xmlns:a16="http://schemas.microsoft.com/office/drawing/2014/main" id="{B220096D-8B47-4EC5-91E5-11499A243D69}"/>
+              </a:ext>
+            </a:extLst>
+          </p:cNvPr>
+          <p:cNvSpPr>
+            <a:spLocks noGrp="1"/>
+          </p:cNvSpPr>
+          <p:nvPr>
+            <p:ph type="title"/>
+          </p:nvPr>
+        </p:nvSpPr>
+        <p:spPr/>
+        <p:txBody>
+          <a:bodyPr/>
+          <a:lstStyle/>
+          <a:p>
+            <a:r>
+              <a:rPr lang="el-GR" dirty="0"/>
+              <a:t>Χρήστες</a:t>
+            </a:r>
+            <a:endParaRPr lang="en-US" dirty="0"/>
+          </a:p>
+        </p:txBody>
+      </p:sp>
+      <p:sp>
+        <p:nvSpPr>
+          <p:cNvPr id="3" name="Content Placeholder 2">
+            <a:extLst>
+              <a:ext uri="{FF2B5EF4-FFF2-40B4-BE49-F238E27FC236}">
+                <a16:creationId xmlns:a16="http://schemas.microsoft.com/office/drawing/2014/main" id="{D1A102C3-621F-4513-AF70-7D5C4A63BF3B}"/>
+              </a:ext>
+            </a:extLst>
+          </p:cNvPr>
+          <p:cNvSpPr>
+            <a:spLocks noGrp="1"/>
+          </p:cNvSpPr>
+          <p:nvPr>
+            <p:ph idx="1"/>
+          </p:nvPr>
+        </p:nvSpPr>
+        <p:spPr/>
+        <p:txBody>
+          <a:bodyPr/>
+          <a:lstStyle/>
+          <a:p>
+            <a:r>
+              <a:rPr lang="el-GR" dirty="0"/>
+              <a:t>Πολίτες που χρησιμοποιούν την εφαρμογή</a:t>
+            </a:r>
+          </a:p>
+          <a:p>
+            <a:r>
+              <a:rPr lang="el-GR" dirty="0"/>
+              <a:t>Δυνατότητα προβολής στοιχείων</a:t>
+            </a:r>
+          </a:p>
+          <a:p>
+            <a:r>
+              <a:rPr lang="el-GR" dirty="0"/>
+              <a:t>Δεν απαιτείται πιστοποίηση</a:t>
+            </a:r>
+            <a:endParaRPr lang="en-US" dirty="0"/>
+          </a:p>
+        </p:txBody>
+      </p:sp>
+    </p:spTree>
+    <p:extLst>
+      <p:ext uri="{BB962C8B-B14F-4D97-AF65-F5344CB8AC3E}">
+        <p14:creationId xmlns:p14="http://schemas.microsoft.com/office/powerpoint/2010/main" val="1579236046"/>
+      </p:ext>
+    </p:extLst>
+  </p:cSld>
+  <p:clrMapOvr>
+    <a:masterClrMapping/>
+  </p:clrMapOvr>
+</p:sld>
+</file>
+
+<file path=ppt/slides/slide5.xml><?xml version="1.0" encoding="utf-8"?>
+<p:sld xmlns:a="http://schemas.openxmlformats.org/drawingml/2006/main" xmlns:r="http://schemas.openxmlformats.org/officeDocument/2006/relationships" xmlns:p="http://schemas.openxmlformats.org/presentationml/2006/main">
+  <p:cSld>
+    <p:spTree>
+      <p:nvGrpSpPr>
+        <p:cNvPr id="1" name=""/>
+        <p:cNvGrpSpPr/>
+        <p:nvPr/>
+      </p:nvGrpSpPr>
+      <p:grpSpPr>
+        <a:xfrm>
+          <a:off x="0" y="0"/>
+          <a:ext cx="0" cy="0"/>
+          <a:chOff x="0" y="0"/>
+          <a:chExt cx="0" cy="0"/>
+        </a:xfrm>
+      </p:grpSpPr>
+      <p:sp>
+        <p:nvSpPr>
+          <p:cNvPr id="2" name="Title 1">
+            <a:extLst>
+              <a:ext uri="{FF2B5EF4-FFF2-40B4-BE49-F238E27FC236}">
+                <a16:creationId xmlns:a16="http://schemas.microsoft.com/office/drawing/2014/main" id="{9C94D41E-05B9-48B0-A154-62A72740B3F8}"/>
+              </a:ext>
+            </a:extLst>
+          </p:cNvPr>
+          <p:cNvSpPr>
+            <a:spLocks noGrp="1"/>
+          </p:cNvSpPr>
+          <p:nvPr>
+            <p:ph type="title"/>
+          </p:nvPr>
+        </p:nvSpPr>
+        <p:spPr/>
+        <p:txBody>
+          <a:bodyPr/>
+          <a:lstStyle/>
+          <a:p>
+            <a:r>
+              <a:rPr lang="el-GR" dirty="0"/>
+              <a:t>Πάροχοι</a:t>
+            </a:r>
+            <a:endParaRPr lang="en-US" dirty="0"/>
+          </a:p>
+        </p:txBody>
+      </p:sp>
+      <p:sp>
+        <p:nvSpPr>
+          <p:cNvPr id="3" name="Content Placeholder 2">
+            <a:extLst>
+              <a:ext uri="{FF2B5EF4-FFF2-40B4-BE49-F238E27FC236}">
+                <a16:creationId xmlns:a16="http://schemas.microsoft.com/office/drawing/2014/main" id="{333F51E1-2400-4097-A8A4-C9C63454E7BB}"/>
+              </a:ext>
+            </a:extLst>
+          </p:cNvPr>
+          <p:cNvSpPr>
+            <a:spLocks noGrp="1"/>
+          </p:cNvSpPr>
+          <p:nvPr>
+            <p:ph idx="1"/>
+          </p:nvPr>
+        </p:nvSpPr>
+        <p:spPr/>
+        <p:txBody>
+          <a:bodyPr/>
+          <a:lstStyle/>
+          <a:p>
+            <a:r>
+              <a:rPr lang="el-GR" dirty="0"/>
+              <a:t>Πολίτες που χρησιμοποιούν την εφαρμογή</a:t>
+            </a:r>
+          </a:p>
+          <a:p>
+            <a:r>
+              <a:rPr lang="el-GR" dirty="0"/>
+              <a:t>Δυνατότητα επεξεργασίας στοιχείων</a:t>
+            </a:r>
+          </a:p>
+          <a:p>
+            <a:r>
+              <a:rPr lang="el-GR" dirty="0"/>
+              <a:t>Απαιτείται πιστοποίηση</a:t>
+            </a:r>
+            <a:endParaRPr lang="en-US" dirty="0"/>
+          </a:p>
+        </p:txBody>
+      </p:sp>
+    </p:spTree>
+    <p:extLst>
+      <p:ext uri="{BB962C8B-B14F-4D97-AF65-F5344CB8AC3E}">
+        <p14:creationId xmlns:p14="http://schemas.microsoft.com/office/powerpoint/2010/main" val="2094301749"/>
+      </p:ext>
+    </p:extLst>
+  </p:cSld>
+  <p:clrMapOvr>
+    <a:masterClrMapping/>
+  </p:clrMapOvr>
+</p:sld>
+</file>
+
+<file path=ppt/slides/slide6.xml><?xml version="1.0" encoding="utf-8"?>
+<p:sld xmlns:a="http://schemas.openxmlformats.org/drawingml/2006/main" xmlns:r="http://schemas.openxmlformats.org/officeDocument/2006/relationships" xmlns:p="http://schemas.openxmlformats.org/presentationml/2006/main">
+  <p:cSld>
+    <p:spTree>
+      <p:nvGrpSpPr>
+        <p:cNvPr id="1" name=""/>
+        <p:cNvGrpSpPr/>
+        <p:nvPr/>
+      </p:nvGrpSpPr>
+      <p:grpSpPr>
+        <a:xfrm>
+          <a:off x="0" y="0"/>
+          <a:ext cx="0" cy="0"/>
+          <a:chOff x="0" y="0"/>
+          <a:chExt cx="0" cy="0"/>
+        </a:xfrm>
+      </p:grpSpPr>
+      <p:sp>
+        <p:nvSpPr>
+          <p:cNvPr id="2" name="Title 1">
+            <a:extLst>
+              <a:ext uri="{FF2B5EF4-FFF2-40B4-BE49-F238E27FC236}">
+                <a16:creationId xmlns:a16="http://schemas.microsoft.com/office/drawing/2014/main" id="{3F42614B-2942-4BB8-9E1C-2A0A33A2968A}"/>
+              </a:ext>
+            </a:extLst>
+          </p:cNvPr>
+          <p:cNvSpPr>
+            <a:spLocks noGrp="1"/>
+          </p:cNvSpPr>
+          <p:nvPr>
+            <p:ph type="title"/>
+          </p:nvPr>
+        </p:nvSpPr>
+        <p:spPr/>
+        <p:txBody>
+          <a:bodyPr/>
+          <a:lstStyle/>
+          <a:p>
+            <a:r>
+              <a:rPr lang="el-GR" dirty="0"/>
+              <a:t>Συνδέσεις</a:t>
+            </a:r>
+            <a:endParaRPr lang="en-US" dirty="0"/>
+          </a:p>
+        </p:txBody>
+      </p:sp>
+      <p:sp>
+        <p:nvSpPr>
+          <p:cNvPr id="3" name="Content Placeholder 2">
+            <a:extLst>
+              <a:ext uri="{FF2B5EF4-FFF2-40B4-BE49-F238E27FC236}">
+                <a16:creationId xmlns:a16="http://schemas.microsoft.com/office/drawing/2014/main" id="{79FBEB94-756F-4460-873F-4F5B45176560}"/>
+              </a:ext>
+            </a:extLst>
+          </p:cNvPr>
+          <p:cNvSpPr>
+            <a:spLocks noGrp="1"/>
+          </p:cNvSpPr>
+          <p:nvPr>
+            <p:ph idx="1"/>
+          </p:nvPr>
+        </p:nvSpPr>
+        <p:spPr/>
+        <p:txBody>
+          <a:bodyPr/>
+          <a:lstStyle/>
+          <a:p>
+            <a:r>
+              <a:rPr lang="el-GR" dirty="0"/>
+              <a:t>Πληροφορίες σχετικά με τις </a:t>
+            </a:r>
+            <a:r>
+              <a:rPr lang="el-GR" dirty="0" err="1"/>
+              <a:t>ευρυζωνικές</a:t>
+            </a:r>
+            <a:r>
+              <a:rPr lang="el-GR" dirty="0"/>
+              <a:t> συνδέσεις</a:t>
+            </a:r>
+          </a:p>
+          <a:p>
+            <a:r>
+              <a:rPr lang="el-GR" dirty="0"/>
+              <a:t>Αναφέρονται στους παρόχους του συστήματος</a:t>
+            </a:r>
+          </a:p>
+          <a:p>
+            <a:r>
+              <a:rPr lang="el-GR" dirty="0"/>
+              <a:t>Οι πολίτες έχουν δικαίωμα προβολής</a:t>
+            </a:r>
+          </a:p>
+          <a:p>
+            <a:r>
+              <a:rPr lang="el-GR" dirty="0"/>
+              <a:t>Οι </a:t>
+            </a:r>
+            <a:r>
+              <a:rPr lang="el-GR" dirty="0" err="1"/>
+              <a:t>πάροχοι</a:t>
+            </a:r>
+            <a:r>
+              <a:rPr lang="el-GR" dirty="0"/>
+              <a:t> έχουν δικαίωμα επεξεργασίας</a:t>
+            </a:r>
+            <a:endParaRPr lang="en-US" dirty="0"/>
+          </a:p>
+        </p:txBody>
+      </p:sp>
+    </p:spTree>
+    <p:extLst>
+      <p:ext uri="{BB962C8B-B14F-4D97-AF65-F5344CB8AC3E}">
+        <p14:creationId xmlns:p14="http://schemas.microsoft.com/office/powerpoint/2010/main" val="2847843297"/>
+      </p:ext>
+    </p:extLst>
+  </p:cSld>
+  <p:clrMapOvr>
+    <a:masterClrMapping/>
+  </p:clrMapOvr>
+</p:sld>
+</file>
+
+<file path=ppt/slides/slide7.xml><?xml version="1.0" encoding="utf-8"?>
+<p:sld xmlns:a="http://schemas.openxmlformats.org/drawingml/2006/main" xmlns:r="http://schemas.openxmlformats.org/officeDocument/2006/relationships" xmlns:p="http://schemas.openxmlformats.org/presentationml/2006/main">
+  <p:cSld>
+    <p:spTree>
+      <p:nvGrpSpPr>
+        <p:cNvPr id="1" name=""/>
+        <p:cNvGrpSpPr/>
+        <p:nvPr/>
+      </p:nvGrpSpPr>
+      <p:grpSpPr>
+        <a:xfrm>
+          <a:off x="0" y="0"/>
+          <a:ext cx="0" cy="0"/>
+          <a:chOff x="0" y="0"/>
+          <a:chExt cx="0" cy="0"/>
+        </a:xfrm>
+      </p:grpSpPr>
+      <p:sp>
+        <p:nvSpPr>
+          <p:cNvPr id="2" name="Title 1">
+            <a:extLst>
+              <a:ext uri="{FF2B5EF4-FFF2-40B4-BE49-F238E27FC236}">
+                <a16:creationId xmlns:a16="http://schemas.microsoft.com/office/drawing/2014/main" id="{C19043ED-BAEC-48CC-A381-26D37EFD9371}"/>
+              </a:ext>
+            </a:extLst>
+          </p:cNvPr>
+          <p:cNvSpPr>
+            <a:spLocks noGrp="1"/>
+          </p:cNvSpPr>
+          <p:nvPr>
+            <p:ph type="title"/>
+          </p:nvPr>
+        </p:nvSpPr>
+        <p:spPr/>
+        <p:txBody>
+          <a:bodyPr/>
+          <a:lstStyle/>
+          <a:p>
+            <a:r>
+              <a:rPr lang="el-GR" dirty="0"/>
+              <a:t>Πιστοποίηση</a:t>
+            </a:r>
+            <a:endParaRPr lang="en-US" dirty="0"/>
+          </a:p>
+        </p:txBody>
+      </p:sp>
+      <p:sp>
+        <p:nvSpPr>
+          <p:cNvPr id="3" name="Content Placeholder 2">
+            <a:extLst>
+              <a:ext uri="{FF2B5EF4-FFF2-40B4-BE49-F238E27FC236}">
+                <a16:creationId xmlns:a16="http://schemas.microsoft.com/office/drawing/2014/main" id="{846918E6-C42C-405E-BA63-B54845C739EA}"/>
+              </a:ext>
+            </a:extLst>
+          </p:cNvPr>
+          <p:cNvSpPr>
+            <a:spLocks noGrp="1"/>
+          </p:cNvSpPr>
+          <p:nvPr>
+            <p:ph idx="1"/>
+          </p:nvPr>
+        </p:nvSpPr>
+        <p:spPr/>
+        <p:txBody>
+          <a:bodyPr/>
+          <a:lstStyle/>
+          <a:p>
+            <a:r>
+              <a:rPr lang="el-GR" dirty="0"/>
+              <a:t>Για την επεξεργασία των στοιχείων από τους παρόχους απαιτείται πιστοποίηση</a:t>
+            </a:r>
+            <a:endParaRPr lang="en-US" dirty="0"/>
+          </a:p>
+          <a:p>
+            <a:r>
+              <a:rPr lang="el-GR" dirty="0"/>
+              <a:t>Αυτοί συνδέονται σε συγκεκριμένο </a:t>
+            </a:r>
+            <a:r>
+              <a:rPr lang="en-US" dirty="0"/>
+              <a:t>endpoint</a:t>
+            </a:r>
+            <a:endParaRPr lang="el-GR" dirty="0"/>
+          </a:p>
+          <a:p>
+            <a:r>
+              <a:rPr lang="el-GR" dirty="0"/>
+              <a:t>Τους επιστρέφεται </a:t>
+            </a:r>
+            <a:r>
+              <a:rPr lang="en-US" u="sng" dirty="0"/>
+              <a:t>JSON Web Token</a:t>
+            </a:r>
+            <a:endParaRPr lang="el-GR" u="sng" dirty="0"/>
+          </a:p>
+          <a:p>
+            <a:endParaRPr lang="en-US" dirty="0"/>
+          </a:p>
+        </p:txBody>
+      </p:sp>
+    </p:spTree>
+    <p:extLst>
+      <p:ext uri="{BB962C8B-B14F-4D97-AF65-F5344CB8AC3E}">
+        <p14:creationId xmlns:p14="http://schemas.microsoft.com/office/powerpoint/2010/main" val="833162913"/>
+      </p:ext>
+    </p:extLst>
+  </p:cSld>
+  <p:clrMapOvr>
+    <a:masterClrMapping/>
+  </p:clrMapOvr>
+</p:sld>
+</file>
+
+<file path=ppt/slides/slide8.xml><?xml version="1.0" encoding="utf-8"?>
+<p:sld xmlns:a="http://schemas.openxmlformats.org/drawingml/2006/main" xmlns:r="http://schemas.openxmlformats.org/officeDocument/2006/relationships" xmlns:p="http://schemas.openxmlformats.org/presentationml/2006/main">
+  <p:cSld>
+    <p:spTree>
+      <p:nvGrpSpPr>
+        <p:cNvPr id="1" name=""/>
+        <p:cNvGrpSpPr/>
+        <p:nvPr/>
+      </p:nvGrpSpPr>
+      <p:grpSpPr>
+        <a:xfrm>
+          <a:off x="0" y="0"/>
+          <a:ext cx="0" cy="0"/>
+          <a:chOff x="0" y="0"/>
+          <a:chExt cx="0" cy="0"/>
+        </a:xfrm>
+      </p:grpSpPr>
+      <p:sp>
+        <p:nvSpPr>
+          <p:cNvPr id="2" name="Title 1">
+            <a:extLst>
+              <a:ext uri="{FF2B5EF4-FFF2-40B4-BE49-F238E27FC236}">
+                <a16:creationId xmlns:a16="http://schemas.microsoft.com/office/drawing/2014/main" id="{110349EC-A598-4C7E-86A5-50B7D596FE46}"/>
+              </a:ext>
+            </a:extLst>
+          </p:cNvPr>
+          <p:cNvSpPr>
+            <a:spLocks noGrp="1"/>
+          </p:cNvSpPr>
+          <p:nvPr>
+            <p:ph type="title"/>
+          </p:nvPr>
+        </p:nvSpPr>
+        <p:spPr/>
+        <p:txBody>
+          <a:bodyPr/>
+          <a:lstStyle/>
+          <a:p>
+            <a:r>
+              <a:rPr lang="el-GR" dirty="0"/>
+              <a:t>Μέλη</a:t>
+            </a:r>
+            <a:endParaRPr lang="en-US" dirty="0"/>
+          </a:p>
+        </p:txBody>
+      </p:sp>
+      <p:sp>
+        <p:nvSpPr>
+          <p:cNvPr id="3" name="Content Placeholder 2">
+            <a:extLst>
+              <a:ext uri="{FF2B5EF4-FFF2-40B4-BE49-F238E27FC236}">
+                <a16:creationId xmlns:a16="http://schemas.microsoft.com/office/drawing/2014/main" id="{47A7C6E6-5F79-45F8-9196-4615FE7AD288}"/>
+              </a:ext>
+            </a:extLst>
+          </p:cNvPr>
+          <p:cNvSpPr>
+            <a:spLocks noGrp="1"/>
+          </p:cNvSpPr>
+          <p:nvPr>
+            <p:ph idx="1"/>
+          </p:nvPr>
+        </p:nvSpPr>
+        <p:spPr/>
+        <p:txBody>
+          <a:bodyPr/>
+          <a:lstStyle/>
+          <a:p>
+            <a:r>
+              <a:rPr lang="el-GR" dirty="0" err="1"/>
+              <a:t>Κώτσης</a:t>
+            </a:r>
+            <a:r>
+              <a:rPr lang="el-GR" dirty="0"/>
+              <a:t> Στάθης,</a:t>
+            </a:r>
+            <a:r>
+              <a:rPr lang="en-US" dirty="0"/>
+              <a:t> 03115408</a:t>
+            </a:r>
+            <a:endParaRPr lang="el-GR" dirty="0"/>
+          </a:p>
+          <a:p>
+            <a:r>
+              <a:rPr lang="el-GR" dirty="0"/>
+              <a:t>Σταθόπουλος Παύλος, </a:t>
+            </a:r>
+            <a:r>
+              <a:rPr lang="en-US" dirty="0"/>
+              <a:t>03115175</a:t>
+            </a:r>
+          </a:p>
+        </p:txBody>
+      </p:sp>
+    </p:spTree>
+    <p:extLst>
+      <p:ext uri="{BB962C8B-B14F-4D97-AF65-F5344CB8AC3E}">
+        <p14:creationId xmlns:p14="http://schemas.microsoft.com/office/powerpoint/2010/main" val="2762107727"/>
       </p:ext>
     </p:extLst>
   </p:cSld>

--- a/Final.pptx
+++ b/Final.pptx
@@ -8,11 +8,18 @@
     <p:sldId id="256" r:id="rId2"/>
     <p:sldId id="262" r:id="rId3"/>
     <p:sldId id="257" r:id="rId4"/>
-    <p:sldId id="258" r:id="rId5"/>
-    <p:sldId id="259" r:id="rId6"/>
+    <p:sldId id="259" r:id="rId5"/>
+    <p:sldId id="265" r:id="rId6"/>
     <p:sldId id="260" r:id="rId7"/>
-    <p:sldId id="261" r:id="rId8"/>
-    <p:sldId id="263" r:id="rId9"/>
+    <p:sldId id="266" r:id="rId8"/>
+    <p:sldId id="261" r:id="rId9"/>
+    <p:sldId id="264" r:id="rId10"/>
+    <p:sldId id="267" r:id="rId11"/>
+    <p:sldId id="268" r:id="rId12"/>
+    <p:sldId id="269" r:id="rId13"/>
+    <p:sldId id="270" r:id="rId14"/>
+    <p:sldId id="271" r:id="rId15"/>
+    <p:sldId id="263" r:id="rId16"/>
   </p:sldIdLst>
   <p:sldSz cx="9144000" cy="6858000" type="screen4x3"/>
   <p:notesSz cx="6858000" cy="9144000"/>
@@ -3098,6 +3105,1032 @@
 </p:sld>
 </file>
 
+<file path=ppt/slides/slide10.xml><?xml version="1.0" encoding="utf-8"?>
+<p:sld xmlns:a="http://schemas.openxmlformats.org/drawingml/2006/main" xmlns:r="http://schemas.openxmlformats.org/officeDocument/2006/relationships" xmlns:p="http://schemas.openxmlformats.org/presentationml/2006/main">
+  <p:cSld>
+    <p:spTree>
+      <p:nvGrpSpPr>
+        <p:cNvPr id="1" name=""/>
+        <p:cNvGrpSpPr/>
+        <p:nvPr/>
+      </p:nvGrpSpPr>
+      <p:grpSpPr>
+        <a:xfrm>
+          <a:off x="0" y="0"/>
+          <a:ext cx="0" cy="0"/>
+          <a:chOff x="0" y="0"/>
+          <a:chExt cx="0" cy="0"/>
+        </a:xfrm>
+      </p:grpSpPr>
+      <p:sp>
+        <p:nvSpPr>
+          <p:cNvPr id="2" name="Title 1">
+            <a:extLst>
+              <a:ext uri="{FF2B5EF4-FFF2-40B4-BE49-F238E27FC236}">
+                <a16:creationId xmlns:a16="http://schemas.microsoft.com/office/drawing/2014/main" id="{97CF09FB-E867-47D1-911D-2E446EFC059A}"/>
+              </a:ext>
+            </a:extLst>
+          </p:cNvPr>
+          <p:cNvSpPr>
+            <a:spLocks noGrp="1"/>
+          </p:cNvSpPr>
+          <p:nvPr>
+            <p:ph type="title"/>
+          </p:nvPr>
+        </p:nvSpPr>
+        <p:spPr/>
+        <p:txBody>
+          <a:bodyPr/>
+          <a:lstStyle/>
+          <a:p>
+            <a:r>
+              <a:rPr lang="el-GR" dirty="0"/>
+              <a:t>Πιστοποίηση</a:t>
+            </a:r>
+            <a:endParaRPr lang="en-US" dirty="0"/>
+          </a:p>
+        </p:txBody>
+      </p:sp>
+      <p:sp>
+        <p:nvSpPr>
+          <p:cNvPr id="3" name="Content Placeholder 2">
+            <a:extLst>
+              <a:ext uri="{FF2B5EF4-FFF2-40B4-BE49-F238E27FC236}">
+                <a16:creationId xmlns:a16="http://schemas.microsoft.com/office/drawing/2014/main" id="{7664AA75-967B-42A7-ADD1-C70FBDB24442}"/>
+              </a:ext>
+            </a:extLst>
+          </p:cNvPr>
+          <p:cNvSpPr>
+            <a:spLocks noGrp="1"/>
+          </p:cNvSpPr>
+          <p:nvPr>
+            <p:ph idx="1"/>
+          </p:nvPr>
+        </p:nvSpPr>
+        <p:spPr/>
+        <p:txBody>
+          <a:bodyPr/>
+          <a:lstStyle/>
+          <a:p>
+            <a:pPr marL="0" indent="0">
+              <a:buNone/>
+            </a:pPr>
+            <a:r>
+              <a:rPr lang="en-US" dirty="0"/>
+              <a:t>Endpoint: </a:t>
+            </a:r>
+            <a:r>
+              <a:rPr lang="en-US" dirty="0">
+                <a:hlinkClick r:id="rId2"/>
+              </a:rPr>
+              <a:t>https://localhost:44349/api/users/authenticate</a:t>
+            </a:r>
+            <a:endParaRPr lang="en-US" dirty="0"/>
+          </a:p>
+          <a:p>
+            <a:pPr marL="0" indent="0">
+              <a:buNone/>
+            </a:pPr>
+            <a:endParaRPr lang="en-US" dirty="0"/>
+          </a:p>
+          <a:p>
+            <a:pPr marL="0" indent="0">
+              <a:buNone/>
+            </a:pPr>
+            <a:r>
+              <a:rPr lang="en-US" dirty="0"/>
+              <a:t>Body:</a:t>
+            </a:r>
+            <a:br>
+              <a:rPr lang="en-US" dirty="0"/>
+            </a:br>
+            <a:r>
+              <a:rPr lang="en-US" dirty="0"/>
+              <a:t>{</a:t>
+            </a:r>
+          </a:p>
+          <a:p>
+            <a:pPr marL="0" indent="0">
+              <a:buNone/>
+            </a:pPr>
+            <a:r>
+              <a:rPr lang="en-US" dirty="0"/>
+              <a:t>	"</a:t>
+            </a:r>
+            <a:r>
+              <a:rPr lang="en-US" b="1" dirty="0" err="1"/>
+              <a:t>username</a:t>
+            </a:r>
+            <a:r>
+              <a:rPr lang="en-US" dirty="0" err="1"/>
+              <a:t>":"username-admin</a:t>
+            </a:r>
+            <a:r>
+              <a:rPr lang="en-US" dirty="0"/>
+              <a:t>",</a:t>
+            </a:r>
+          </a:p>
+          <a:p>
+            <a:pPr marL="0" indent="0">
+              <a:buNone/>
+            </a:pPr>
+            <a:r>
+              <a:rPr lang="en-US" dirty="0"/>
+              <a:t>	"</a:t>
+            </a:r>
+            <a:r>
+              <a:rPr lang="en-US" b="1" dirty="0" err="1"/>
+              <a:t>password</a:t>
+            </a:r>
+            <a:r>
+              <a:rPr lang="en-US" dirty="0" err="1"/>
+              <a:t>":"password</a:t>
+            </a:r>
+            <a:r>
+              <a:rPr lang="en-US" dirty="0"/>
+              <a:t>"</a:t>
+            </a:r>
+          </a:p>
+          <a:p>
+            <a:pPr marL="0" indent="0">
+              <a:buNone/>
+            </a:pPr>
+            <a:r>
+              <a:rPr lang="en-US" dirty="0"/>
+              <a:t>}</a:t>
+            </a:r>
+          </a:p>
+        </p:txBody>
+      </p:sp>
+    </p:spTree>
+    <p:extLst>
+      <p:ext uri="{BB962C8B-B14F-4D97-AF65-F5344CB8AC3E}">
+        <p14:creationId xmlns:p14="http://schemas.microsoft.com/office/powerpoint/2010/main" val="2047808016"/>
+      </p:ext>
+    </p:extLst>
+  </p:cSld>
+  <p:clrMapOvr>
+    <a:masterClrMapping/>
+  </p:clrMapOvr>
+</p:sld>
+</file>
+
+<file path=ppt/slides/slide11.xml><?xml version="1.0" encoding="utf-8"?>
+<p:sld xmlns:a="http://schemas.openxmlformats.org/drawingml/2006/main" xmlns:r="http://schemas.openxmlformats.org/officeDocument/2006/relationships" xmlns:p="http://schemas.openxmlformats.org/presentationml/2006/main">
+  <p:cSld>
+    <p:spTree>
+      <p:nvGrpSpPr>
+        <p:cNvPr id="1" name=""/>
+        <p:cNvGrpSpPr/>
+        <p:nvPr/>
+      </p:nvGrpSpPr>
+      <p:grpSpPr>
+        <a:xfrm>
+          <a:off x="0" y="0"/>
+          <a:ext cx="0" cy="0"/>
+          <a:chOff x="0" y="0"/>
+          <a:chExt cx="0" cy="0"/>
+        </a:xfrm>
+      </p:grpSpPr>
+      <p:sp>
+        <p:nvSpPr>
+          <p:cNvPr id="2" name="Title 1">
+            <a:extLst>
+              <a:ext uri="{FF2B5EF4-FFF2-40B4-BE49-F238E27FC236}">
+                <a16:creationId xmlns:a16="http://schemas.microsoft.com/office/drawing/2014/main" id="{C97477E9-5674-4476-8D4C-DAA1EFFFFC8D}"/>
+              </a:ext>
+            </a:extLst>
+          </p:cNvPr>
+          <p:cNvSpPr>
+            <a:spLocks noGrp="1"/>
+          </p:cNvSpPr>
+          <p:nvPr>
+            <p:ph type="title"/>
+          </p:nvPr>
+        </p:nvSpPr>
+        <p:spPr/>
+        <p:txBody>
+          <a:bodyPr/>
+          <a:lstStyle/>
+          <a:p>
+            <a:r>
+              <a:rPr lang="el-GR" dirty="0"/>
+              <a:t>Πιστοποίηση</a:t>
+            </a:r>
+            <a:endParaRPr lang="en-US" dirty="0"/>
+          </a:p>
+        </p:txBody>
+      </p:sp>
+      <p:sp>
+        <p:nvSpPr>
+          <p:cNvPr id="3" name="Content Placeholder 2">
+            <a:extLst>
+              <a:ext uri="{FF2B5EF4-FFF2-40B4-BE49-F238E27FC236}">
+                <a16:creationId xmlns:a16="http://schemas.microsoft.com/office/drawing/2014/main" id="{1291D3FA-D088-4A99-BA3F-ECC3444758DD}"/>
+              </a:ext>
+            </a:extLst>
+          </p:cNvPr>
+          <p:cNvSpPr>
+            <a:spLocks noGrp="1"/>
+          </p:cNvSpPr>
+          <p:nvPr>
+            <p:ph idx="1"/>
+          </p:nvPr>
+        </p:nvSpPr>
+        <p:spPr/>
+        <p:txBody>
+          <a:bodyPr>
+            <a:normAutofit/>
+          </a:bodyPr>
+          <a:lstStyle/>
+          <a:p>
+            <a:pPr marL="0" indent="0">
+              <a:buNone/>
+            </a:pPr>
+            <a:r>
+              <a:rPr lang="en-US" dirty="0"/>
+              <a:t>{   "</a:t>
+            </a:r>
+            <a:r>
+              <a:rPr lang="en-US" b="1" dirty="0"/>
+              <a:t>id</a:t>
+            </a:r>
+            <a:r>
+              <a:rPr lang="en-US" dirty="0"/>
+              <a:t>": 2,</a:t>
+            </a:r>
+          </a:p>
+          <a:p>
+            <a:pPr marL="0" indent="0">
+              <a:buNone/>
+            </a:pPr>
+            <a:r>
+              <a:rPr lang="en-US" dirty="0"/>
+              <a:t>    "</a:t>
+            </a:r>
+            <a:r>
+              <a:rPr lang="en-US" b="1" dirty="0"/>
+              <a:t>username</a:t>
+            </a:r>
+            <a:r>
+              <a:rPr lang="en-US" dirty="0"/>
+              <a:t>": “username-admin",</a:t>
+            </a:r>
+          </a:p>
+          <a:p>
+            <a:pPr marL="0" indent="0">
+              <a:buNone/>
+            </a:pPr>
+            <a:r>
+              <a:rPr lang="en-US" dirty="0"/>
+              <a:t>    "</a:t>
+            </a:r>
+            <a:r>
+              <a:rPr lang="en-US" b="1" dirty="0"/>
+              <a:t>password</a:t>
+            </a:r>
+            <a:r>
+              <a:rPr lang="en-US" dirty="0"/>
+              <a:t>": "",</a:t>
+            </a:r>
+          </a:p>
+          <a:p>
+            <a:pPr marL="0" indent="0">
+              <a:buNone/>
+            </a:pPr>
+            <a:r>
+              <a:rPr lang="en-US" dirty="0"/>
+              <a:t>    "</a:t>
+            </a:r>
+            <a:r>
+              <a:rPr lang="en-US" b="1" dirty="0"/>
+              <a:t>role</a:t>
+            </a:r>
+            <a:r>
+              <a:rPr lang="en-US" dirty="0"/>
+              <a:t>": "admin",</a:t>
+            </a:r>
+          </a:p>
+          <a:p>
+            <a:pPr marL="0" indent="0">
+              <a:buNone/>
+            </a:pPr>
+            <a:r>
+              <a:rPr lang="en-US" dirty="0"/>
+              <a:t>    "</a:t>
+            </a:r>
+            <a:r>
+              <a:rPr lang="en-US" b="1" dirty="0"/>
+              <a:t>token</a:t>
+            </a:r>
+            <a:r>
+              <a:rPr lang="en-US" dirty="0"/>
+              <a:t>": "eyJhbGciOiJIUzI1NiIsInR5…"</a:t>
+            </a:r>
+            <a:r>
+              <a:rPr lang="el-GR" dirty="0"/>
+              <a:t> </a:t>
+            </a:r>
+            <a:r>
+              <a:rPr lang="en-US" dirty="0"/>
+              <a:t>}</a:t>
+            </a:r>
+            <a:endParaRPr lang="el-GR" dirty="0"/>
+          </a:p>
+          <a:p>
+            <a:pPr marL="0" indent="0">
+              <a:buNone/>
+            </a:pPr>
+            <a:endParaRPr lang="el-GR" dirty="0"/>
+          </a:p>
+          <a:p>
+            <a:pPr marL="0" indent="0">
+              <a:buNone/>
+            </a:pPr>
+            <a:r>
+              <a:rPr lang="el-GR" dirty="0"/>
+              <a:t>Αλλιώς μήνυμα λάθους: </a:t>
+            </a:r>
+            <a:r>
+              <a:rPr lang="en-US" dirty="0"/>
+              <a:t>{"</a:t>
+            </a:r>
+            <a:r>
+              <a:rPr lang="en-US" b="1" dirty="0"/>
+              <a:t>message</a:t>
+            </a:r>
+            <a:r>
+              <a:rPr lang="en-US" dirty="0"/>
+              <a:t>": "This username or password is incorrect"}</a:t>
+            </a:r>
+          </a:p>
+          <a:p>
+            <a:pPr marL="0" indent="0">
+              <a:buNone/>
+            </a:pPr>
+            <a:endParaRPr lang="en-US" dirty="0"/>
+          </a:p>
+          <a:p>
+            <a:endParaRPr lang="en-US" dirty="0"/>
+          </a:p>
+        </p:txBody>
+      </p:sp>
+    </p:spTree>
+    <p:extLst>
+      <p:ext uri="{BB962C8B-B14F-4D97-AF65-F5344CB8AC3E}">
+        <p14:creationId xmlns:p14="http://schemas.microsoft.com/office/powerpoint/2010/main" val="149402368"/>
+      </p:ext>
+    </p:extLst>
+  </p:cSld>
+  <p:clrMapOvr>
+    <a:masterClrMapping/>
+  </p:clrMapOvr>
+</p:sld>
+</file>
+
+<file path=ppt/slides/slide12.xml><?xml version="1.0" encoding="utf-8"?>
+<p:sld xmlns:a="http://schemas.openxmlformats.org/drawingml/2006/main" xmlns:r="http://schemas.openxmlformats.org/officeDocument/2006/relationships" xmlns:p="http://schemas.openxmlformats.org/presentationml/2006/main">
+  <p:cSld>
+    <p:spTree>
+      <p:nvGrpSpPr>
+        <p:cNvPr id="1" name=""/>
+        <p:cNvGrpSpPr/>
+        <p:nvPr/>
+      </p:nvGrpSpPr>
+      <p:grpSpPr>
+        <a:xfrm>
+          <a:off x="0" y="0"/>
+          <a:ext cx="0" cy="0"/>
+          <a:chOff x="0" y="0"/>
+          <a:chExt cx="0" cy="0"/>
+        </a:xfrm>
+      </p:grpSpPr>
+      <p:sp>
+        <p:nvSpPr>
+          <p:cNvPr id="2" name="Title 1">
+            <a:extLst>
+              <a:ext uri="{FF2B5EF4-FFF2-40B4-BE49-F238E27FC236}">
+                <a16:creationId xmlns:a16="http://schemas.microsoft.com/office/drawing/2014/main" id="{B7112F37-EAA8-491B-A501-3893A025936F}"/>
+              </a:ext>
+            </a:extLst>
+          </p:cNvPr>
+          <p:cNvSpPr>
+            <a:spLocks noGrp="1"/>
+          </p:cNvSpPr>
+          <p:nvPr>
+            <p:ph type="title"/>
+          </p:nvPr>
+        </p:nvSpPr>
+        <p:spPr/>
+        <p:txBody>
+          <a:bodyPr/>
+          <a:lstStyle/>
+          <a:p>
+            <a:r>
+              <a:rPr lang="el-GR" dirty="0"/>
+              <a:t>Επεξεργασία στοιχείων</a:t>
+            </a:r>
+            <a:endParaRPr lang="en-US" dirty="0"/>
+          </a:p>
+        </p:txBody>
+      </p:sp>
+      <p:sp>
+        <p:nvSpPr>
+          <p:cNvPr id="3" name="Content Placeholder 2">
+            <a:extLst>
+              <a:ext uri="{FF2B5EF4-FFF2-40B4-BE49-F238E27FC236}">
+                <a16:creationId xmlns:a16="http://schemas.microsoft.com/office/drawing/2014/main" id="{3E2CDAC6-D323-45C4-AB61-75C83F4F4081}"/>
+              </a:ext>
+            </a:extLst>
+          </p:cNvPr>
+          <p:cNvSpPr>
+            <a:spLocks noGrp="1"/>
+          </p:cNvSpPr>
+          <p:nvPr>
+            <p:ph idx="1"/>
+          </p:nvPr>
+        </p:nvSpPr>
+        <p:spPr/>
+        <p:txBody>
+          <a:bodyPr>
+            <a:normAutofit fontScale="92500" lnSpcReduction="20000"/>
+          </a:bodyPr>
+          <a:lstStyle/>
+          <a:p>
+            <a:r>
+              <a:rPr lang="en-US" dirty="0"/>
+              <a:t>Endpoint:</a:t>
+            </a:r>
+            <a:r>
+              <a:rPr lang="el-GR" dirty="0"/>
+              <a:t> </a:t>
+            </a:r>
+            <a:r>
+              <a:rPr lang="en-US" dirty="0">
+                <a:hlinkClick r:id="rId2"/>
+              </a:rPr>
+              <a:t>https://localhost:44349/api/Line</a:t>
+            </a:r>
+            <a:endParaRPr lang="en-US" dirty="0"/>
+          </a:p>
+          <a:p>
+            <a:r>
+              <a:rPr lang="en-US" dirty="0"/>
+              <a:t>Body:</a:t>
+            </a:r>
+          </a:p>
+          <a:p>
+            <a:pPr marL="0" indent="0">
+              <a:buNone/>
+            </a:pPr>
+            <a:r>
+              <a:rPr lang="en-US" dirty="0"/>
+              <a:t>{</a:t>
+            </a:r>
+          </a:p>
+          <a:p>
+            <a:pPr marL="0" indent="0">
+              <a:buNone/>
+            </a:pPr>
+            <a:r>
+              <a:rPr lang="el-GR" dirty="0"/>
+              <a:t>	</a:t>
+            </a:r>
+            <a:r>
+              <a:rPr lang="en-US" dirty="0"/>
+              <a:t>"</a:t>
+            </a:r>
+            <a:r>
+              <a:rPr lang="en-US" b="1" dirty="0" err="1"/>
+              <a:t>providerId</a:t>
+            </a:r>
+            <a:r>
+              <a:rPr lang="en-US" dirty="0"/>
+              <a:t>" : 6</a:t>
+            </a:r>
+            <a:r>
+              <a:rPr lang="el-GR" dirty="0"/>
+              <a:t>,</a:t>
+            </a:r>
+            <a:endParaRPr lang="en-US" dirty="0"/>
+          </a:p>
+          <a:p>
+            <a:pPr marL="0" indent="0">
+              <a:buNone/>
+            </a:pPr>
+            <a:r>
+              <a:rPr lang="en-US" dirty="0"/>
+              <a:t>	"</a:t>
+            </a:r>
+            <a:r>
+              <a:rPr lang="en-US" b="1" dirty="0" err="1"/>
+              <a:t>startPoint</a:t>
+            </a:r>
+            <a:r>
+              <a:rPr lang="en-US" dirty="0"/>
+              <a:t>": "37.885917, 23.885940",</a:t>
+            </a:r>
+          </a:p>
+          <a:p>
+            <a:pPr marL="0" indent="0">
+              <a:buNone/>
+            </a:pPr>
+            <a:r>
+              <a:rPr lang="en-US" dirty="0"/>
+              <a:t>    </a:t>
+            </a:r>
+            <a:r>
+              <a:rPr lang="el-GR" dirty="0"/>
+              <a:t>	</a:t>
+            </a:r>
+            <a:r>
+              <a:rPr lang="en-US" dirty="0"/>
+              <a:t>"</a:t>
+            </a:r>
+            <a:r>
+              <a:rPr lang="en-US" b="1" dirty="0" err="1"/>
+              <a:t>endPoint</a:t>
+            </a:r>
+            <a:r>
+              <a:rPr lang="en-US" dirty="0"/>
+              <a:t>": "37.885747, 23.885987",</a:t>
+            </a:r>
+          </a:p>
+          <a:p>
+            <a:pPr marL="0" indent="0">
+              <a:buNone/>
+            </a:pPr>
+            <a:r>
+              <a:rPr lang="en-US" dirty="0"/>
+              <a:t>   </a:t>
+            </a:r>
+            <a:r>
+              <a:rPr lang="el-GR" dirty="0"/>
+              <a:t>	</a:t>
+            </a:r>
+            <a:r>
+              <a:rPr lang="en-US" dirty="0"/>
+              <a:t>"</a:t>
+            </a:r>
+            <a:r>
+              <a:rPr lang="en-US" b="1" dirty="0"/>
+              <a:t>details</a:t>
+            </a:r>
+            <a:r>
+              <a:rPr lang="en-US" dirty="0"/>
+              <a:t>": "VDSL, 42"</a:t>
+            </a:r>
+          </a:p>
+          <a:p>
+            <a:pPr marL="0" indent="0">
+              <a:buNone/>
+            </a:pPr>
+            <a:r>
+              <a:rPr lang="en-US" dirty="0"/>
+              <a:t>}</a:t>
+            </a:r>
+            <a:endParaRPr lang="el-GR" dirty="0"/>
+          </a:p>
+          <a:p>
+            <a:r>
+              <a:rPr lang="en-US" dirty="0"/>
+              <a:t>Header:</a:t>
+            </a:r>
+          </a:p>
+          <a:p>
+            <a:pPr marL="0" indent="0">
+              <a:buNone/>
+            </a:pPr>
+            <a:r>
+              <a:rPr lang="en-US" dirty="0"/>
+              <a:t>"</a:t>
+            </a:r>
+            <a:r>
+              <a:rPr lang="en-US" b="1" dirty="0"/>
+              <a:t>Authorization</a:t>
+            </a:r>
+            <a:r>
+              <a:rPr lang="en-US" dirty="0"/>
+              <a:t>": "Bearer eyJhbGciOiJIUzI1NiIsInR5…"</a:t>
+            </a:r>
+          </a:p>
+        </p:txBody>
+      </p:sp>
+    </p:spTree>
+    <p:extLst>
+      <p:ext uri="{BB962C8B-B14F-4D97-AF65-F5344CB8AC3E}">
+        <p14:creationId xmlns:p14="http://schemas.microsoft.com/office/powerpoint/2010/main" val="3407331022"/>
+      </p:ext>
+    </p:extLst>
+  </p:cSld>
+  <p:clrMapOvr>
+    <a:masterClrMapping/>
+  </p:clrMapOvr>
+</p:sld>
+</file>
+
+<file path=ppt/slides/slide13.xml><?xml version="1.0" encoding="utf-8"?>
+<p:sld xmlns:a="http://schemas.openxmlformats.org/drawingml/2006/main" xmlns:r="http://schemas.openxmlformats.org/officeDocument/2006/relationships" xmlns:p="http://schemas.openxmlformats.org/presentationml/2006/main">
+  <p:cSld>
+    <p:spTree>
+      <p:nvGrpSpPr>
+        <p:cNvPr id="1" name=""/>
+        <p:cNvGrpSpPr/>
+        <p:nvPr/>
+      </p:nvGrpSpPr>
+      <p:grpSpPr>
+        <a:xfrm>
+          <a:off x="0" y="0"/>
+          <a:ext cx="0" cy="0"/>
+          <a:chOff x="0" y="0"/>
+          <a:chExt cx="0" cy="0"/>
+        </a:xfrm>
+      </p:grpSpPr>
+      <p:sp>
+        <p:nvSpPr>
+          <p:cNvPr id="2" name="Title 1">
+            <a:extLst>
+              <a:ext uri="{FF2B5EF4-FFF2-40B4-BE49-F238E27FC236}">
+                <a16:creationId xmlns:a16="http://schemas.microsoft.com/office/drawing/2014/main" id="{7222472B-1BD6-4D3E-A542-EC39B8265401}"/>
+              </a:ext>
+            </a:extLst>
+          </p:cNvPr>
+          <p:cNvSpPr>
+            <a:spLocks noGrp="1"/>
+          </p:cNvSpPr>
+          <p:nvPr>
+            <p:ph type="title"/>
+          </p:nvPr>
+        </p:nvSpPr>
+        <p:spPr/>
+        <p:txBody>
+          <a:bodyPr/>
+          <a:lstStyle/>
+          <a:p>
+            <a:r>
+              <a:rPr lang="el-GR" dirty="0"/>
+              <a:t>Επεξεργασία στοιχείων</a:t>
+            </a:r>
+            <a:endParaRPr lang="en-US" dirty="0"/>
+          </a:p>
+        </p:txBody>
+      </p:sp>
+      <p:sp>
+        <p:nvSpPr>
+          <p:cNvPr id="3" name="Content Placeholder 2">
+            <a:extLst>
+              <a:ext uri="{FF2B5EF4-FFF2-40B4-BE49-F238E27FC236}">
+                <a16:creationId xmlns:a16="http://schemas.microsoft.com/office/drawing/2014/main" id="{DE1A05DA-DB7B-414A-A3A0-745BEA20321B}"/>
+              </a:ext>
+            </a:extLst>
+          </p:cNvPr>
+          <p:cNvSpPr>
+            <a:spLocks noGrp="1"/>
+          </p:cNvSpPr>
+          <p:nvPr>
+            <p:ph idx="1"/>
+          </p:nvPr>
+        </p:nvSpPr>
+        <p:spPr/>
+        <p:txBody>
+          <a:bodyPr>
+            <a:normAutofit lnSpcReduction="10000"/>
+          </a:bodyPr>
+          <a:lstStyle/>
+          <a:p>
+            <a:r>
+              <a:rPr lang="el-GR" dirty="0"/>
+              <a:t>Απάντηση:</a:t>
+            </a:r>
+          </a:p>
+          <a:p>
+            <a:pPr marL="0" indent="0">
+              <a:buNone/>
+            </a:pPr>
+            <a:r>
+              <a:rPr lang="en-US" dirty="0"/>
+              <a:t>{</a:t>
+            </a:r>
+          </a:p>
+          <a:p>
+            <a:pPr marL="0" indent="0">
+              <a:buNone/>
+            </a:pPr>
+            <a:r>
+              <a:rPr lang="en-US" dirty="0"/>
+              <a:t>    "</a:t>
+            </a:r>
+            <a:r>
+              <a:rPr lang="en-US" b="1" dirty="0"/>
+              <a:t>id</a:t>
+            </a:r>
+            <a:r>
+              <a:rPr lang="en-US" dirty="0"/>
+              <a:t>": 4,</a:t>
+            </a:r>
+          </a:p>
+          <a:p>
+            <a:pPr marL="0" indent="0">
+              <a:buNone/>
+            </a:pPr>
+            <a:r>
+              <a:rPr lang="en-US" dirty="0"/>
+              <a:t>    "</a:t>
+            </a:r>
+            <a:r>
+              <a:rPr lang="en-US" b="1" dirty="0" err="1"/>
+              <a:t>providerId</a:t>
+            </a:r>
+            <a:r>
+              <a:rPr lang="en-US" dirty="0"/>
+              <a:t>": 6,</a:t>
+            </a:r>
+          </a:p>
+          <a:p>
+            <a:pPr marL="0" indent="0">
+              <a:buNone/>
+            </a:pPr>
+            <a:r>
+              <a:rPr lang="en-US" dirty="0"/>
+              <a:t>    "</a:t>
+            </a:r>
+            <a:r>
+              <a:rPr lang="en-US" b="1" dirty="0" err="1"/>
+              <a:t>startPoint</a:t>
+            </a:r>
+            <a:r>
+              <a:rPr lang="en-US" dirty="0"/>
+              <a:t>": "37.885917, 23.885940",</a:t>
+            </a:r>
+          </a:p>
+          <a:p>
+            <a:pPr marL="0" indent="0">
+              <a:buNone/>
+            </a:pPr>
+            <a:r>
+              <a:rPr lang="en-US" dirty="0"/>
+              <a:t>    "</a:t>
+            </a:r>
+            <a:r>
+              <a:rPr lang="en-US" b="1" dirty="0" err="1"/>
+              <a:t>endPoint</a:t>
+            </a:r>
+            <a:r>
+              <a:rPr lang="en-US" dirty="0"/>
+              <a:t>": "37.885747, 23.885987",</a:t>
+            </a:r>
+          </a:p>
+          <a:p>
+            <a:pPr marL="0" indent="0">
+              <a:buNone/>
+            </a:pPr>
+            <a:r>
+              <a:rPr lang="en-US" dirty="0"/>
+              <a:t>    "</a:t>
+            </a:r>
+            <a:r>
+              <a:rPr lang="en-US" b="1" dirty="0"/>
+              <a:t>details</a:t>
+            </a:r>
+            <a:r>
+              <a:rPr lang="en-US" dirty="0"/>
+              <a:t>": "VDSL, 42"</a:t>
+            </a:r>
+          </a:p>
+          <a:p>
+            <a:pPr marL="0" indent="0">
+              <a:buNone/>
+            </a:pPr>
+            <a:r>
+              <a:rPr lang="en-US" dirty="0"/>
+              <a:t>}</a:t>
+            </a:r>
+          </a:p>
+          <a:p>
+            <a:r>
+              <a:rPr lang="el-GR" dirty="0"/>
+              <a:t>Αλλιώς, κωδικός λάθους </a:t>
+            </a:r>
+            <a:r>
+              <a:rPr lang="en-US" u="sng" dirty="0"/>
+              <a:t>401 Unauthorized</a:t>
+            </a:r>
+          </a:p>
+        </p:txBody>
+      </p:sp>
+    </p:spTree>
+    <p:extLst>
+      <p:ext uri="{BB962C8B-B14F-4D97-AF65-F5344CB8AC3E}">
+        <p14:creationId xmlns:p14="http://schemas.microsoft.com/office/powerpoint/2010/main" val="2495678327"/>
+      </p:ext>
+    </p:extLst>
+  </p:cSld>
+  <p:clrMapOvr>
+    <a:masterClrMapping/>
+  </p:clrMapOvr>
+</p:sld>
+</file>
+
+<file path=ppt/slides/slide14.xml><?xml version="1.0" encoding="utf-8"?>
+<p:sld xmlns:a="http://schemas.openxmlformats.org/drawingml/2006/main" xmlns:r="http://schemas.openxmlformats.org/officeDocument/2006/relationships" xmlns:p="http://schemas.openxmlformats.org/presentationml/2006/main">
+  <p:cSld>
+    <p:spTree>
+      <p:nvGrpSpPr>
+        <p:cNvPr id="1" name=""/>
+        <p:cNvGrpSpPr/>
+        <p:nvPr/>
+      </p:nvGrpSpPr>
+      <p:grpSpPr>
+        <a:xfrm>
+          <a:off x="0" y="0"/>
+          <a:ext cx="0" cy="0"/>
+          <a:chOff x="0" y="0"/>
+          <a:chExt cx="0" cy="0"/>
+        </a:xfrm>
+      </p:grpSpPr>
+      <p:sp>
+        <p:nvSpPr>
+          <p:cNvPr id="2" name="Title 1">
+            <a:extLst>
+              <a:ext uri="{FF2B5EF4-FFF2-40B4-BE49-F238E27FC236}">
+                <a16:creationId xmlns:a16="http://schemas.microsoft.com/office/drawing/2014/main" id="{8358030A-D8E5-49F1-93E4-4C565DCE818C}"/>
+              </a:ext>
+            </a:extLst>
+          </p:cNvPr>
+          <p:cNvSpPr>
+            <a:spLocks noGrp="1"/>
+          </p:cNvSpPr>
+          <p:nvPr>
+            <p:ph type="title"/>
+          </p:nvPr>
+        </p:nvSpPr>
+        <p:spPr/>
+        <p:txBody>
+          <a:bodyPr/>
+          <a:lstStyle/>
+          <a:p>
+            <a:r>
+              <a:rPr lang="el-GR" dirty="0"/>
+              <a:t>Επεξεργασία στοιχείων</a:t>
+            </a:r>
+            <a:endParaRPr lang="en-US" dirty="0"/>
+          </a:p>
+        </p:txBody>
+      </p:sp>
+      <p:pic>
+        <p:nvPicPr>
+          <p:cNvPr id="5" name="Content Placeholder 4">
+            <a:extLst>
+              <a:ext uri="{FF2B5EF4-FFF2-40B4-BE49-F238E27FC236}">
+                <a16:creationId xmlns:a16="http://schemas.microsoft.com/office/drawing/2014/main" id="{8134F014-D0EB-4555-9869-625D137ABAFC}"/>
+              </a:ext>
+            </a:extLst>
+          </p:cNvPr>
+          <p:cNvPicPr>
+            <a:picLocks noGrp="1" noChangeAspect="1"/>
+          </p:cNvPicPr>
+          <p:nvPr>
+            <p:ph idx="1"/>
+          </p:nvPr>
+        </p:nvPicPr>
+        <p:blipFill>
+          <a:blip r:embed="rId2">
+            <a:extLst>
+              <a:ext uri="{28A0092B-C50C-407E-A947-70E740481C1C}">
+                <a14:useLocalDpi xmlns:a14="http://schemas.microsoft.com/office/drawing/2010/main" val="0"/>
+              </a:ext>
+            </a:extLst>
+          </a:blip>
+          <a:stretch>
+            <a:fillRect/>
+          </a:stretch>
+        </p:blipFill>
+        <p:spPr>
+          <a:xfrm>
+            <a:off x="3118345" y="1825625"/>
+            <a:ext cx="2907309" cy="4351338"/>
+          </a:xfrm>
+        </p:spPr>
+      </p:pic>
+    </p:spTree>
+    <p:extLst>
+      <p:ext uri="{BB962C8B-B14F-4D97-AF65-F5344CB8AC3E}">
+        <p14:creationId xmlns:p14="http://schemas.microsoft.com/office/powerpoint/2010/main" val="95912536"/>
+      </p:ext>
+    </p:extLst>
+  </p:cSld>
+  <p:clrMapOvr>
+    <a:masterClrMapping/>
+  </p:clrMapOvr>
+</p:sld>
+</file>
+
+<file path=ppt/slides/slide15.xml><?xml version="1.0" encoding="utf-8"?>
+<p:sld xmlns:a="http://schemas.openxmlformats.org/drawingml/2006/main" xmlns:r="http://schemas.openxmlformats.org/officeDocument/2006/relationships" xmlns:p="http://schemas.openxmlformats.org/presentationml/2006/main">
+  <p:cSld>
+    <p:spTree>
+      <p:nvGrpSpPr>
+        <p:cNvPr id="1" name=""/>
+        <p:cNvGrpSpPr/>
+        <p:nvPr/>
+      </p:nvGrpSpPr>
+      <p:grpSpPr>
+        <a:xfrm>
+          <a:off x="0" y="0"/>
+          <a:ext cx="0" cy="0"/>
+          <a:chOff x="0" y="0"/>
+          <a:chExt cx="0" cy="0"/>
+        </a:xfrm>
+      </p:grpSpPr>
+      <p:sp>
+        <p:nvSpPr>
+          <p:cNvPr id="2" name="Title 1">
+            <a:extLst>
+              <a:ext uri="{FF2B5EF4-FFF2-40B4-BE49-F238E27FC236}">
+                <a16:creationId xmlns:a16="http://schemas.microsoft.com/office/drawing/2014/main" id="{110349EC-A598-4C7E-86A5-50B7D596FE46}"/>
+              </a:ext>
+            </a:extLst>
+          </p:cNvPr>
+          <p:cNvSpPr>
+            <a:spLocks noGrp="1"/>
+          </p:cNvSpPr>
+          <p:nvPr>
+            <p:ph type="title"/>
+          </p:nvPr>
+        </p:nvSpPr>
+        <p:spPr/>
+        <p:txBody>
+          <a:bodyPr/>
+          <a:lstStyle/>
+          <a:p>
+            <a:r>
+              <a:rPr lang="el-GR" dirty="0"/>
+              <a:t>Μέλη</a:t>
+            </a:r>
+            <a:endParaRPr lang="en-US" dirty="0"/>
+          </a:p>
+        </p:txBody>
+      </p:sp>
+      <p:sp>
+        <p:nvSpPr>
+          <p:cNvPr id="3" name="Content Placeholder 2">
+            <a:extLst>
+              <a:ext uri="{FF2B5EF4-FFF2-40B4-BE49-F238E27FC236}">
+                <a16:creationId xmlns:a16="http://schemas.microsoft.com/office/drawing/2014/main" id="{47A7C6E6-5F79-45F8-9196-4615FE7AD288}"/>
+              </a:ext>
+            </a:extLst>
+          </p:cNvPr>
+          <p:cNvSpPr>
+            <a:spLocks noGrp="1"/>
+          </p:cNvSpPr>
+          <p:nvPr>
+            <p:ph idx="1"/>
+          </p:nvPr>
+        </p:nvSpPr>
+        <p:spPr/>
+        <p:txBody>
+          <a:bodyPr/>
+          <a:lstStyle/>
+          <a:p>
+            <a:r>
+              <a:rPr lang="el-GR" dirty="0" err="1"/>
+              <a:t>Κώτσης</a:t>
+            </a:r>
+            <a:r>
+              <a:rPr lang="el-GR" dirty="0"/>
+              <a:t> Στάθης,</a:t>
+            </a:r>
+            <a:r>
+              <a:rPr lang="en-US" dirty="0"/>
+              <a:t> 03115408</a:t>
+            </a:r>
+            <a:endParaRPr lang="el-GR" dirty="0"/>
+          </a:p>
+          <a:p>
+            <a:r>
+              <a:rPr lang="el-GR" dirty="0"/>
+              <a:t>Σταθόπουλος Παύλος, </a:t>
+            </a:r>
+            <a:r>
+              <a:rPr lang="en-US" dirty="0"/>
+              <a:t>03115175</a:t>
+            </a:r>
+          </a:p>
+        </p:txBody>
+      </p:sp>
+    </p:spTree>
+    <p:extLst>
+      <p:ext uri="{BB962C8B-B14F-4D97-AF65-F5344CB8AC3E}">
+        <p14:creationId xmlns:p14="http://schemas.microsoft.com/office/powerpoint/2010/main" val="2762107727"/>
+      </p:ext>
+    </p:extLst>
+  </p:cSld>
+  <p:clrMapOvr>
+    <a:masterClrMapping/>
+  </p:clrMapOvr>
+</p:sld>
+</file>
+
 <file path=ppt/slides/slide2.xml><?xml version="1.0" encoding="utf-8"?>
 <p:sld xmlns:a="http://schemas.openxmlformats.org/drawingml/2006/main" xmlns:r="http://schemas.openxmlformats.org/officeDocument/2006/relationships" xmlns:p="http://schemas.openxmlformats.org/presentationml/2006/main">
   <p:cSld>
@@ -3291,13 +4324,6 @@
           <a:p>
             <a:r>
               <a:rPr lang="el-GR" dirty="0"/>
-              <a:t>Χρήστες</a:t>
-            </a:r>
-            <a:endParaRPr lang="en-US" dirty="0"/>
-          </a:p>
-          <a:p>
-            <a:r>
-              <a:rPr lang="el-GR" dirty="0"/>
               <a:t>Πάροχοι</a:t>
             </a:r>
           </a:p>
@@ -3345,7 +4371,7 @@
           <p:cNvPr id="2" name="Title 1">
             <a:extLst>
               <a:ext uri="{FF2B5EF4-FFF2-40B4-BE49-F238E27FC236}">
-                <a16:creationId xmlns:a16="http://schemas.microsoft.com/office/drawing/2014/main" id="{B220096D-8B47-4EC5-91E5-11499A243D69}"/>
+                <a16:creationId xmlns:a16="http://schemas.microsoft.com/office/drawing/2014/main" id="{9C94D41E-05B9-48B0-A154-62A72740B3F8}"/>
               </a:ext>
             </a:extLst>
           </p:cNvPr>
@@ -3363,7 +4389,7 @@
           <a:p>
             <a:r>
               <a:rPr lang="el-GR" dirty="0"/>
-              <a:t>Χρήστες</a:t>
+              <a:t>Πάροχοι</a:t>
             </a:r>
             <a:endParaRPr lang="en-US" dirty="0"/>
           </a:p>
@@ -3374,7 +4400,7 @@
           <p:cNvPr id="3" name="Content Placeholder 2">
             <a:extLst>
               <a:ext uri="{FF2B5EF4-FFF2-40B4-BE49-F238E27FC236}">
-                <a16:creationId xmlns:a16="http://schemas.microsoft.com/office/drawing/2014/main" id="{D1A102C3-621F-4513-AF70-7D5C4A63BF3B}"/>
+                <a16:creationId xmlns:a16="http://schemas.microsoft.com/office/drawing/2014/main" id="{333F51E1-2400-4097-A8A4-C9C63454E7BB}"/>
               </a:ext>
             </a:extLst>
           </p:cNvPr>
@@ -3392,28 +4418,49 @@
           <a:p>
             <a:r>
               <a:rPr lang="el-GR" dirty="0"/>
-              <a:t>Πολίτες που χρησιμοποιούν την εφαρμογή</a:t>
+              <a:t>Εταιρείες που παρέχουν δεδομένα στο σύστημα</a:t>
             </a:r>
           </a:p>
           <a:p>
             <a:r>
               <a:rPr lang="el-GR" dirty="0"/>
-              <a:t>Δυνατότητα προβολής στοιχείων</a:t>
-            </a:r>
+              <a:t>Οι πολίτες έχουν πρόσβαση στα στοιχεία τους</a:t>
+            </a:r>
+            <a:endParaRPr lang="en-US" dirty="0"/>
           </a:p>
           <a:p>
             <a:r>
               <a:rPr lang="el-GR" dirty="0"/>
-              <a:t>Δεν απαιτείται πιστοποίηση</a:t>
-            </a:r>
-            <a:endParaRPr lang="en-US" dirty="0"/>
+              <a:t>Ο διαχειριστής του συστήματος μπορεί να επεξεργαστεί τα δεδομένα τους</a:t>
+            </a:r>
+            <a:endParaRPr lang="en-US" dirty="0"/>
+          </a:p>
+          <a:p>
+            <a:r>
+              <a:rPr lang="en-US" dirty="0"/>
+              <a:t>Endpoint: </a:t>
+            </a:r>
+            <a:r>
+              <a:rPr lang="en-US" dirty="0">
+                <a:hlinkClick r:id="rId2"/>
+              </a:rPr>
+              <a:t>https://localhost:44349/api/NationalNetwork</a:t>
+            </a:r>
+            <a:endParaRPr lang="en-US" dirty="0"/>
+          </a:p>
+          <a:p>
+            <a:r>
+              <a:rPr lang="en-US" dirty="0"/>
+              <a:t>GET, POST, PATCH, DELETE</a:t>
+            </a:r>
+            <a:endParaRPr lang="el-GR" dirty="0"/>
           </a:p>
         </p:txBody>
       </p:sp>
     </p:spTree>
     <p:extLst>
       <p:ext uri="{BB962C8B-B14F-4D97-AF65-F5344CB8AC3E}">
-        <p14:creationId xmlns:p14="http://schemas.microsoft.com/office/powerpoint/2010/main" val="1579236046"/>
+        <p14:creationId xmlns:p14="http://schemas.microsoft.com/office/powerpoint/2010/main" val="2094301749"/>
       </p:ext>
     </p:extLst>
   </p:cSld>
@@ -3445,7 +4492,7 @@
           <p:cNvPr id="2" name="Title 1">
             <a:extLst>
               <a:ext uri="{FF2B5EF4-FFF2-40B4-BE49-F238E27FC236}">
-                <a16:creationId xmlns:a16="http://schemas.microsoft.com/office/drawing/2014/main" id="{9C94D41E-05B9-48B0-A154-62A72740B3F8}"/>
+                <a16:creationId xmlns:a16="http://schemas.microsoft.com/office/drawing/2014/main" id="{88C0E3A8-9E54-405C-82E3-3F8D51BE9523}"/>
               </a:ext>
             </a:extLst>
           </p:cNvPr>
@@ -3462,58 +4509,52 @@
           <a:lstStyle/>
           <a:p>
             <a:r>
-              <a:rPr lang="el-GR" dirty="0"/>
+              <a:rPr lang="el-GR"/>
               <a:t>Πάροχοι</a:t>
             </a:r>
             <a:endParaRPr lang="en-US" dirty="0"/>
           </a:p>
         </p:txBody>
       </p:sp>
-      <p:sp>
-        <p:nvSpPr>
-          <p:cNvPr id="3" name="Content Placeholder 2">
+      <p:pic>
+        <p:nvPicPr>
+          <p:cNvPr id="5" name="Content Placeholder 4">
             <a:extLst>
               <a:ext uri="{FF2B5EF4-FFF2-40B4-BE49-F238E27FC236}">
-                <a16:creationId xmlns:a16="http://schemas.microsoft.com/office/drawing/2014/main" id="{333F51E1-2400-4097-A8A4-C9C63454E7BB}"/>
+                <a16:creationId xmlns:a16="http://schemas.microsoft.com/office/drawing/2014/main" id="{4A55702A-0FB1-4E13-8525-FA9077F632F0}"/>
               </a:ext>
             </a:extLst>
           </p:cNvPr>
-          <p:cNvSpPr>
-            <a:spLocks noGrp="1"/>
-          </p:cNvSpPr>
+          <p:cNvPicPr>
+            <a:picLocks noGrp="1" noChangeAspect="1"/>
+          </p:cNvPicPr>
           <p:nvPr>
             <p:ph idx="1"/>
           </p:nvPr>
-        </p:nvSpPr>
-        <p:spPr/>
-        <p:txBody>
-          <a:bodyPr/>
-          <a:lstStyle/>
-          <a:p>
-            <a:r>
-              <a:rPr lang="el-GR" dirty="0"/>
-              <a:t>Πολίτες που χρησιμοποιούν την εφαρμογή</a:t>
-            </a:r>
-          </a:p>
-          <a:p>
-            <a:r>
-              <a:rPr lang="el-GR" dirty="0"/>
-              <a:t>Δυνατότητα επεξεργασίας στοιχείων</a:t>
-            </a:r>
-          </a:p>
-          <a:p>
-            <a:r>
-              <a:rPr lang="el-GR" dirty="0"/>
-              <a:t>Απαιτείται πιστοποίηση</a:t>
-            </a:r>
-            <a:endParaRPr lang="en-US" dirty="0"/>
-          </a:p>
-        </p:txBody>
-      </p:sp>
+        </p:nvPicPr>
+        <p:blipFill>
+          <a:blip r:embed="rId2">
+            <a:extLst>
+              <a:ext uri="{28A0092B-C50C-407E-A947-70E740481C1C}">
+                <a14:useLocalDpi xmlns:a14="http://schemas.microsoft.com/office/drawing/2010/main" val="0"/>
+              </a:ext>
+            </a:extLst>
+          </a:blip>
+          <a:stretch>
+            <a:fillRect/>
+          </a:stretch>
+        </p:blipFill>
+        <p:spPr>
+          <a:xfrm>
+            <a:off x="2643187" y="2243931"/>
+            <a:ext cx="3857625" cy="3514725"/>
+          </a:xfrm>
+        </p:spPr>
+      </p:pic>
     </p:spTree>
     <p:extLst>
       <p:ext uri="{BB962C8B-B14F-4D97-AF65-F5344CB8AC3E}">
-        <p14:creationId xmlns:p14="http://schemas.microsoft.com/office/powerpoint/2010/main" val="2094301749"/>
+        <p14:creationId xmlns:p14="http://schemas.microsoft.com/office/powerpoint/2010/main" val="4104337904"/>
       </p:ext>
     </p:extLst>
   </p:cSld>
@@ -3606,12 +4647,6 @@
           <a:p>
             <a:r>
               <a:rPr lang="el-GR" dirty="0"/>
-              <a:t>Αναφέρονται στους παρόχους του συστήματος</a:t>
-            </a:r>
-          </a:p>
-          <a:p>
-            <a:r>
-              <a:rPr lang="el-GR" dirty="0"/>
               <a:t>Οι πολίτες έχουν δικαίωμα προβολής</a:t>
             </a:r>
           </a:p>
@@ -3628,6 +4663,29 @@
               <a:rPr lang="el-GR" dirty="0"/>
               <a:t> έχουν δικαίωμα επεξεργασίας</a:t>
             </a:r>
+            <a:endParaRPr lang="en-US" dirty="0"/>
+          </a:p>
+          <a:p>
+            <a:r>
+              <a:rPr lang="en-US" dirty="0"/>
+              <a:t>Endpoint: </a:t>
+            </a:r>
+            <a:r>
+              <a:rPr lang="en-US" dirty="0">
+                <a:hlinkClick r:id="rId2"/>
+              </a:rPr>
+              <a:t>https://localhost:44349/api/Line</a:t>
+            </a:r>
+            <a:endParaRPr lang="en-US" dirty="0"/>
+          </a:p>
+          <a:p>
+            <a:r>
+              <a:rPr lang="en-US" dirty="0"/>
+              <a:t>GET, POST, PATCH, DELETE</a:t>
+            </a:r>
+            <a:endParaRPr lang="el-GR" dirty="0"/>
+          </a:p>
+          <a:p>
             <a:endParaRPr lang="en-US" dirty="0"/>
           </a:p>
         </p:txBody>
@@ -3667,7 +4725,7 @@
           <p:cNvPr id="2" name="Title 1">
             <a:extLst>
               <a:ext uri="{FF2B5EF4-FFF2-40B4-BE49-F238E27FC236}">
-                <a16:creationId xmlns:a16="http://schemas.microsoft.com/office/drawing/2014/main" id="{C19043ED-BAEC-48CC-A381-26D37EFD9371}"/>
+                <a16:creationId xmlns:a16="http://schemas.microsoft.com/office/drawing/2014/main" id="{BBA0B768-AD3A-412A-8F15-A13A36177348}"/>
               </a:ext>
             </a:extLst>
           </p:cNvPr>
@@ -3685,70 +4743,51 @@
           <a:p>
             <a:r>
               <a:rPr lang="el-GR" dirty="0"/>
-              <a:t>Πιστοποίηση</a:t>
-            </a:r>
-            <a:endParaRPr lang="en-US" dirty="0"/>
-          </a:p>
-        </p:txBody>
-      </p:sp>
-      <p:sp>
-        <p:nvSpPr>
-          <p:cNvPr id="3" name="Content Placeholder 2">
+              <a:t>Συνδέσεις</a:t>
+            </a:r>
+            <a:endParaRPr lang="en-US" dirty="0"/>
+          </a:p>
+        </p:txBody>
+      </p:sp>
+      <p:pic>
+        <p:nvPicPr>
+          <p:cNvPr id="5" name="Content Placeholder 4">
             <a:extLst>
               <a:ext uri="{FF2B5EF4-FFF2-40B4-BE49-F238E27FC236}">
-                <a16:creationId xmlns:a16="http://schemas.microsoft.com/office/drawing/2014/main" id="{846918E6-C42C-405E-BA63-B54845C739EA}"/>
+                <a16:creationId xmlns:a16="http://schemas.microsoft.com/office/drawing/2014/main" id="{0400404F-26D8-4BE5-B81C-424558E98927}"/>
               </a:ext>
             </a:extLst>
           </p:cNvPr>
-          <p:cNvSpPr>
-            <a:spLocks noGrp="1"/>
-          </p:cNvSpPr>
+          <p:cNvPicPr>
+            <a:picLocks noGrp="1" noChangeAspect="1"/>
+          </p:cNvPicPr>
           <p:nvPr>
             <p:ph idx="1"/>
           </p:nvPr>
-        </p:nvSpPr>
-        <p:spPr/>
-        <p:txBody>
-          <a:bodyPr/>
-          <a:lstStyle/>
-          <a:p>
-            <a:r>
-              <a:rPr lang="el-GR" dirty="0"/>
-              <a:t>Για την επεξεργασία των στοιχείων από τους παρόχους απαιτείται πιστοποίηση</a:t>
-            </a:r>
-            <a:endParaRPr lang="en-US" dirty="0"/>
-          </a:p>
-          <a:p>
-            <a:r>
-              <a:rPr lang="el-GR" dirty="0"/>
-              <a:t>Αυτοί συνδέονται σε συγκεκριμένο </a:t>
-            </a:r>
-            <a:r>
-              <a:rPr lang="en-US" dirty="0"/>
-              <a:t>endpoint</a:t>
-            </a:r>
-            <a:endParaRPr lang="el-GR" dirty="0"/>
-          </a:p>
-          <a:p>
-            <a:r>
-              <a:rPr lang="el-GR" dirty="0"/>
-              <a:t>Τους επιστρέφεται </a:t>
-            </a:r>
-            <a:r>
-              <a:rPr lang="en-US" u="sng" dirty="0"/>
-              <a:t>JSON Web Token</a:t>
-            </a:r>
-            <a:endParaRPr lang="el-GR" u="sng" dirty="0"/>
-          </a:p>
-          <a:p>
-            <a:endParaRPr lang="en-US" dirty="0"/>
-          </a:p>
-        </p:txBody>
-      </p:sp>
+        </p:nvPicPr>
+        <p:blipFill>
+          <a:blip r:embed="rId2">
+            <a:extLst>
+              <a:ext uri="{28A0092B-C50C-407E-A947-70E740481C1C}">
+                <a14:useLocalDpi xmlns:a14="http://schemas.microsoft.com/office/drawing/2010/main" val="0"/>
+              </a:ext>
+            </a:extLst>
+          </a:blip>
+          <a:stretch>
+            <a:fillRect/>
+          </a:stretch>
+        </p:blipFill>
+        <p:spPr>
+          <a:xfrm>
+            <a:off x="2700678" y="1825625"/>
+            <a:ext cx="3742644" cy="4351338"/>
+          </a:xfrm>
+        </p:spPr>
+      </p:pic>
     </p:spTree>
     <p:extLst>
       <p:ext uri="{BB962C8B-B14F-4D97-AF65-F5344CB8AC3E}">
-        <p14:creationId xmlns:p14="http://schemas.microsoft.com/office/powerpoint/2010/main" val="833162913"/>
+        <p14:creationId xmlns:p14="http://schemas.microsoft.com/office/powerpoint/2010/main" val="454464638"/>
       </p:ext>
     </p:extLst>
   </p:cSld>
@@ -3780,7 +4819,7 @@
           <p:cNvPr id="2" name="Title 1">
             <a:extLst>
               <a:ext uri="{FF2B5EF4-FFF2-40B4-BE49-F238E27FC236}">
-                <a16:creationId xmlns:a16="http://schemas.microsoft.com/office/drawing/2014/main" id="{110349EC-A598-4C7E-86A5-50B7D596FE46}"/>
+                <a16:creationId xmlns:a16="http://schemas.microsoft.com/office/drawing/2014/main" id="{C19043ED-BAEC-48CC-A381-26D37EFD9371}"/>
               </a:ext>
             </a:extLst>
           </p:cNvPr>
@@ -3798,7 +4837,7 @@
           <a:p>
             <a:r>
               <a:rPr lang="el-GR" dirty="0"/>
-              <a:t>Μέλη</a:t>
+              <a:t>Πιστοποίηση</a:t>
             </a:r>
             <a:endParaRPr lang="en-US" dirty="0"/>
           </a:p>
@@ -3809,7 +4848,7 @@
           <p:cNvPr id="3" name="Content Placeholder 2">
             <a:extLst>
               <a:ext uri="{FF2B5EF4-FFF2-40B4-BE49-F238E27FC236}">
-                <a16:creationId xmlns:a16="http://schemas.microsoft.com/office/drawing/2014/main" id="{47A7C6E6-5F79-45F8-9196-4615FE7AD288}"/>
+                <a16:creationId xmlns:a16="http://schemas.microsoft.com/office/drawing/2014/main" id="{846918E6-C42C-405E-BA63-B54845C739EA}"/>
               </a:ext>
             </a:extLst>
           </p:cNvPr>
@@ -3826,35 +4865,136 @@
           <a:lstStyle/>
           <a:p>
             <a:r>
-              <a:rPr lang="el-GR" dirty="0" err="1"/>
-              <a:t>Κώτσης</a:t>
-            </a:r>
-            <a:r>
               <a:rPr lang="el-GR" dirty="0"/>
-              <a:t> Στάθης,</a:t>
-            </a:r>
-            <a:r>
-              <a:rPr lang="en-US" dirty="0"/>
-              <a:t> 03115408</a:t>
+              <a:t>Για την επεξεργασία των δεδομένων απαιτείται πιστοποίηση</a:t>
+            </a:r>
+            <a:endParaRPr lang="en-US" dirty="0"/>
+          </a:p>
+          <a:p>
+            <a:r>
+              <a:rPr lang="el-GR" dirty="0"/>
+              <a:t>Η σύνδεση πραγματοποιείται σε συγκεκριμένο </a:t>
+            </a:r>
+            <a:r>
+              <a:rPr lang="en-US" dirty="0"/>
+              <a:t>endpoint</a:t>
             </a:r>
             <a:endParaRPr lang="el-GR" dirty="0"/>
           </a:p>
           <a:p>
             <a:r>
               <a:rPr lang="el-GR" dirty="0"/>
-              <a:t>Σταθόπουλος Παύλος, </a:t>
-            </a:r>
-            <a:r>
-              <a:rPr lang="en-US" dirty="0"/>
-              <a:t>03115175</a:t>
-            </a:r>
+              <a:t>Επιστρέφεται </a:t>
+            </a:r>
+            <a:r>
+              <a:rPr lang="en-US" u="sng" dirty="0"/>
+              <a:t>JSON Web Token</a:t>
+            </a:r>
+            <a:endParaRPr lang="el-GR" u="sng" dirty="0"/>
+          </a:p>
+          <a:p>
+            <a:endParaRPr lang="en-US" dirty="0"/>
           </a:p>
         </p:txBody>
       </p:sp>
     </p:spTree>
     <p:extLst>
       <p:ext uri="{BB962C8B-B14F-4D97-AF65-F5344CB8AC3E}">
-        <p14:creationId xmlns:p14="http://schemas.microsoft.com/office/powerpoint/2010/main" val="2762107727"/>
+        <p14:creationId xmlns:p14="http://schemas.microsoft.com/office/powerpoint/2010/main" val="833162913"/>
+      </p:ext>
+    </p:extLst>
+  </p:cSld>
+  <p:clrMapOvr>
+    <a:masterClrMapping/>
+  </p:clrMapOvr>
+</p:sld>
+</file>
+
+<file path=ppt/slides/slide9.xml><?xml version="1.0" encoding="utf-8"?>
+<p:sld xmlns:a="http://schemas.openxmlformats.org/drawingml/2006/main" xmlns:r="http://schemas.openxmlformats.org/officeDocument/2006/relationships" xmlns:p="http://schemas.openxmlformats.org/presentationml/2006/main">
+  <p:cSld>
+    <p:spTree>
+      <p:nvGrpSpPr>
+        <p:cNvPr id="1" name=""/>
+        <p:cNvGrpSpPr/>
+        <p:nvPr/>
+      </p:nvGrpSpPr>
+      <p:grpSpPr>
+        <a:xfrm>
+          <a:off x="0" y="0"/>
+          <a:ext cx="0" cy="0"/>
+          <a:chOff x="0" y="0"/>
+          <a:chExt cx="0" cy="0"/>
+        </a:xfrm>
+      </p:grpSpPr>
+      <p:sp>
+        <p:nvSpPr>
+          <p:cNvPr id="2" name="Title 1">
+            <a:extLst>
+              <a:ext uri="{FF2B5EF4-FFF2-40B4-BE49-F238E27FC236}">
+                <a16:creationId xmlns:a16="http://schemas.microsoft.com/office/drawing/2014/main" id="{2C898ED7-5233-463E-823B-7E502372041A}"/>
+              </a:ext>
+            </a:extLst>
+          </p:cNvPr>
+          <p:cNvSpPr>
+            <a:spLocks noGrp="1"/>
+          </p:cNvSpPr>
+          <p:nvPr>
+            <p:ph type="title"/>
+          </p:nvPr>
+        </p:nvSpPr>
+        <p:spPr/>
+        <p:txBody>
+          <a:bodyPr/>
+          <a:lstStyle/>
+          <a:p>
+            <a:r>
+              <a:rPr lang="el-GR" dirty="0"/>
+              <a:t>Πιστοποίηση</a:t>
+            </a:r>
+            <a:endParaRPr lang="en-US" dirty="0"/>
+          </a:p>
+        </p:txBody>
+      </p:sp>
+      <p:sp>
+        <p:nvSpPr>
+          <p:cNvPr id="3" name="Content Placeholder 2">
+            <a:extLst>
+              <a:ext uri="{FF2B5EF4-FFF2-40B4-BE49-F238E27FC236}">
+                <a16:creationId xmlns:a16="http://schemas.microsoft.com/office/drawing/2014/main" id="{B828251D-1D44-4555-87D9-FE0D3742E404}"/>
+              </a:ext>
+            </a:extLst>
+          </p:cNvPr>
+          <p:cNvSpPr>
+            <a:spLocks noGrp="1"/>
+          </p:cNvSpPr>
+          <p:nvPr>
+            <p:ph idx="1"/>
+          </p:nvPr>
+        </p:nvSpPr>
+        <p:spPr/>
+        <p:txBody>
+          <a:bodyPr/>
+          <a:lstStyle/>
+          <a:p>
+            <a:r>
+              <a:rPr lang="el-GR" dirty="0"/>
+              <a:t>Οι συνδεδεμένοι χρήστες αντιπροσωπεύουν άτομα της κάθε εταιρείας παροχής συνδέσεων</a:t>
+            </a:r>
+          </a:p>
+          <a:p>
+            <a:r>
+              <a:rPr lang="el-GR" dirty="0"/>
+              <a:t>Έχουν δικαίωμα επεξεργασίας των πληροφοριών σχετικά με τις συνδέσεις</a:t>
+            </a:r>
+            <a:endParaRPr lang="en-US" dirty="0"/>
+          </a:p>
+        </p:txBody>
+      </p:sp>
+    </p:spTree>
+    <p:extLst>
+      <p:ext uri="{BB962C8B-B14F-4D97-AF65-F5344CB8AC3E}">
+        <p14:creationId xmlns:p14="http://schemas.microsoft.com/office/powerpoint/2010/main" val="3963947271"/>
       </p:ext>
     </p:extLst>
   </p:cSld>

--- a/Final.pptx
+++ b/Final.pptx
@@ -12,8 +12,8 @@
     <p:sldId id="265" r:id="rId6"/>
     <p:sldId id="260" r:id="rId7"/>
     <p:sldId id="266" r:id="rId8"/>
-    <p:sldId id="261" r:id="rId9"/>
-    <p:sldId id="264" r:id="rId10"/>
+    <p:sldId id="264" r:id="rId9"/>
+    <p:sldId id="261" r:id="rId10"/>
     <p:sldId id="267" r:id="rId11"/>
     <p:sldId id="268" r:id="rId12"/>
     <p:sldId id="269" r:id="rId13"/>
@@ -257,7 +257,7 @@
           <a:p>
             <a:fld id="{F981AB2F-1B29-427D-BB21-D6FB376EC33A}" type="datetimeFigureOut">
               <a:rPr lang="en-US" smtClean="0"/>
-              <a:t>3/5/2020</a:t>
+              <a:t>3/9/2020</a:t>
             </a:fld>
             <a:endParaRPr lang="en-US"/>
           </a:p>
@@ -427,7 +427,7 @@
           <a:p>
             <a:fld id="{F981AB2F-1B29-427D-BB21-D6FB376EC33A}" type="datetimeFigureOut">
               <a:rPr lang="en-US" smtClean="0"/>
-              <a:t>3/5/2020</a:t>
+              <a:t>3/9/2020</a:t>
             </a:fld>
             <a:endParaRPr lang="en-US"/>
           </a:p>
@@ -607,7 +607,7 @@
           <a:p>
             <a:fld id="{F981AB2F-1B29-427D-BB21-D6FB376EC33A}" type="datetimeFigureOut">
               <a:rPr lang="en-US" smtClean="0"/>
-              <a:t>3/5/2020</a:t>
+              <a:t>3/9/2020</a:t>
             </a:fld>
             <a:endParaRPr lang="en-US"/>
           </a:p>
@@ -777,7 +777,7 @@
           <a:p>
             <a:fld id="{F981AB2F-1B29-427D-BB21-D6FB376EC33A}" type="datetimeFigureOut">
               <a:rPr lang="en-US" smtClean="0"/>
-              <a:t>3/5/2020</a:t>
+              <a:t>3/9/2020</a:t>
             </a:fld>
             <a:endParaRPr lang="en-US"/>
           </a:p>
@@ -1021,7 +1021,7 @@
           <a:p>
             <a:fld id="{F981AB2F-1B29-427D-BB21-D6FB376EC33A}" type="datetimeFigureOut">
               <a:rPr lang="en-US" smtClean="0"/>
-              <a:t>3/5/2020</a:t>
+              <a:t>3/9/2020</a:t>
             </a:fld>
             <a:endParaRPr lang="en-US"/>
           </a:p>
@@ -1253,7 +1253,7 @@
           <a:p>
             <a:fld id="{F981AB2F-1B29-427D-BB21-D6FB376EC33A}" type="datetimeFigureOut">
               <a:rPr lang="en-US" smtClean="0"/>
-              <a:t>3/5/2020</a:t>
+              <a:t>3/9/2020</a:t>
             </a:fld>
             <a:endParaRPr lang="en-US"/>
           </a:p>
@@ -1620,7 +1620,7 @@
           <a:p>
             <a:fld id="{F981AB2F-1B29-427D-BB21-D6FB376EC33A}" type="datetimeFigureOut">
               <a:rPr lang="en-US" smtClean="0"/>
-              <a:t>3/5/2020</a:t>
+              <a:t>3/9/2020</a:t>
             </a:fld>
             <a:endParaRPr lang="en-US"/>
           </a:p>
@@ -1738,7 +1738,7 @@
           <a:p>
             <a:fld id="{F981AB2F-1B29-427D-BB21-D6FB376EC33A}" type="datetimeFigureOut">
               <a:rPr lang="en-US" smtClean="0"/>
-              <a:t>3/5/2020</a:t>
+              <a:t>3/9/2020</a:t>
             </a:fld>
             <a:endParaRPr lang="en-US"/>
           </a:p>
@@ -1833,7 +1833,7 @@
           <a:p>
             <a:fld id="{F981AB2F-1B29-427D-BB21-D6FB376EC33A}" type="datetimeFigureOut">
               <a:rPr lang="en-US" smtClean="0"/>
-              <a:t>3/5/2020</a:t>
+              <a:t>3/9/2020</a:t>
             </a:fld>
             <a:endParaRPr lang="en-US"/>
           </a:p>
@@ -2110,7 +2110,7 @@
           <a:p>
             <a:fld id="{F981AB2F-1B29-427D-BB21-D6FB376EC33A}" type="datetimeFigureOut">
               <a:rPr lang="en-US" smtClean="0"/>
-              <a:t>3/5/2020</a:t>
+              <a:t>3/9/2020</a:t>
             </a:fld>
             <a:endParaRPr lang="en-US"/>
           </a:p>
@@ -2367,7 +2367,7 @@
           <a:p>
             <a:fld id="{F981AB2F-1B29-427D-BB21-D6FB376EC33A}" type="datetimeFigureOut">
               <a:rPr lang="en-US" smtClean="0"/>
-              <a:t>3/5/2020</a:t>
+              <a:t>3/9/2020</a:t>
             </a:fld>
             <a:endParaRPr lang="en-US"/>
           </a:p>
@@ -2580,7 +2580,7 @@
           <a:p>
             <a:fld id="{F981AB2F-1B29-427D-BB21-D6FB376EC33A}" type="datetimeFigureOut">
               <a:rPr lang="en-US" smtClean="0"/>
-              <a:t>3/5/2020</a:t>
+              <a:t>3/9/2020</a:t>
             </a:fld>
             <a:endParaRPr lang="en-US"/>
           </a:p>
@@ -4172,14 +4172,22 @@
           <a:lstStyle/>
           <a:p>
             <a:r>
-              <a:rPr lang="en-US" sz="4000" dirty="0"/>
-              <a:t>Frameworks </a:t>
-            </a:r>
-            <a:r>
-              <a:rPr lang="el-GR" sz="4000" dirty="0"/>
+              <a:rPr lang="en-US" sz="3000" b="1" dirty="0"/>
+              <a:t>Frameworks</a:t>
+            </a:r>
+            <a:r>
+              <a:rPr lang="el-GR" sz="3000" b="1" dirty="0"/>
+              <a:t> / Εφαρμογές</a:t>
+            </a:r>
+            <a:r>
+              <a:rPr lang="en-US" sz="3000" b="1" dirty="0"/>
+              <a:t> </a:t>
+            </a:r>
+            <a:r>
+              <a:rPr lang="el-GR" sz="3000" b="1" dirty="0"/>
               <a:t>που χρησιμοποιήθηκαν</a:t>
             </a:r>
-            <a:endParaRPr lang="en-US" sz="4000" dirty="0"/>
+            <a:endParaRPr lang="en-US" sz="3000" b="1" dirty="0"/>
           </a:p>
         </p:txBody>
       </p:sp>
@@ -4236,6 +4244,21 @@
               <a:rPr lang="el-GR" dirty="0"/>
               <a:t> για την πιστοποίηση χρηστών</a:t>
             </a:r>
+          </a:p>
+          <a:p>
+            <a:r>
+              <a:rPr lang="en-US" u="sng" dirty="0"/>
+              <a:t>Postman</a:t>
+            </a:r>
+            <a:r>
+              <a:rPr lang="el-GR" dirty="0"/>
+              <a:t> για τον έλεγχο του </a:t>
+            </a:r>
+            <a:r>
+              <a:rPr lang="en-US" dirty="0"/>
+              <a:t>API </a:t>
+            </a:r>
+            <a:endParaRPr lang="el-GR" dirty="0"/>
           </a:p>
           <a:p>
             <a:endParaRPr lang="en-US" dirty="0"/>
@@ -4331,6 +4354,12 @@
             <a:r>
               <a:rPr lang="el-GR" dirty="0"/>
               <a:t>Συνδέσεις</a:t>
+            </a:r>
+          </a:p>
+          <a:p>
+            <a:r>
+              <a:rPr lang="el-GR" dirty="0"/>
+              <a:t>Χρήστες</a:t>
             </a:r>
             <a:endParaRPr lang="en-US" dirty="0"/>
           </a:p>
@@ -4819,7 +4848,7 @@
           <p:cNvPr id="2" name="Title 1">
             <a:extLst>
               <a:ext uri="{FF2B5EF4-FFF2-40B4-BE49-F238E27FC236}">
-                <a16:creationId xmlns:a16="http://schemas.microsoft.com/office/drawing/2014/main" id="{C19043ED-BAEC-48CC-A381-26D37EFD9371}"/>
+                <a16:creationId xmlns:a16="http://schemas.microsoft.com/office/drawing/2014/main" id="{2C898ED7-5233-463E-823B-7E502372041A}"/>
               </a:ext>
             </a:extLst>
           </p:cNvPr>
@@ -4837,7 +4866,7 @@
           <a:p>
             <a:r>
               <a:rPr lang="el-GR" dirty="0"/>
-              <a:t>Πιστοποίηση</a:t>
+              <a:t>Χρήστες</a:t>
             </a:r>
             <a:endParaRPr lang="en-US" dirty="0"/>
           </a:p>
@@ -4848,7 +4877,7 @@
           <p:cNvPr id="3" name="Content Placeholder 2">
             <a:extLst>
               <a:ext uri="{FF2B5EF4-FFF2-40B4-BE49-F238E27FC236}">
-                <a16:creationId xmlns:a16="http://schemas.microsoft.com/office/drawing/2014/main" id="{846918E6-C42C-405E-BA63-B54845C739EA}"/>
+                <a16:creationId xmlns:a16="http://schemas.microsoft.com/office/drawing/2014/main" id="{B828251D-1D44-4555-87D9-FE0D3742E404}"/>
               </a:ext>
             </a:extLst>
           </p:cNvPr>
@@ -4866,33 +4895,28 @@
           <a:p>
             <a:r>
               <a:rPr lang="el-GR" dirty="0"/>
-              <a:t>Για την επεξεργασία των δεδομένων απαιτείται πιστοποίηση</a:t>
-            </a:r>
-            <a:endParaRPr lang="en-US" dirty="0"/>
-          </a:p>
-          <a:p>
+              <a:t>2 είδη</a:t>
+            </a:r>
+          </a:p>
+          <a:p>
+            <a:r>
+              <a:rPr lang="en-US" dirty="0"/>
+              <a:t>Admin: </a:t>
+            </a:r>
             <a:r>
               <a:rPr lang="el-GR" dirty="0"/>
-              <a:t>Η σύνδεση πραγματοποιείται σε συγκεκριμένο </a:t>
-            </a:r>
-            <a:r>
-              <a:rPr lang="en-US" dirty="0"/>
-              <a:t>endpoint</a:t>
-            </a:r>
-            <a:endParaRPr lang="el-GR" dirty="0"/>
-          </a:p>
-          <a:p>
+              <a:t>διαχειριστής συστήματος, έχει δικαίωμα επεξεργασίας όλων των δεδομένων</a:t>
+            </a:r>
+          </a:p>
+          <a:p>
+            <a:r>
+              <a:rPr lang="en-US" dirty="0"/>
+              <a:t>Provider: </a:t>
+            </a:r>
             <a:r>
               <a:rPr lang="el-GR" dirty="0"/>
-              <a:t>Επιστρέφεται </a:t>
-            </a:r>
-            <a:r>
-              <a:rPr lang="en-US" u="sng" dirty="0"/>
-              <a:t>JSON Web Token</a:t>
-            </a:r>
-            <a:endParaRPr lang="el-GR" u="sng" dirty="0"/>
-          </a:p>
-          <a:p>
+              <a:t>υπάλληλος εταιρείας παροχής συνδέσεων, έχει δικαίωμα επεξεργασίας μόνο των πληροφοριών των συνδέσεων</a:t>
+            </a:r>
             <a:endParaRPr lang="en-US" dirty="0"/>
           </a:p>
         </p:txBody>
@@ -4900,7 +4924,7 @@
     </p:spTree>
     <p:extLst>
       <p:ext uri="{BB962C8B-B14F-4D97-AF65-F5344CB8AC3E}">
-        <p14:creationId xmlns:p14="http://schemas.microsoft.com/office/powerpoint/2010/main" val="833162913"/>
+        <p14:creationId xmlns:p14="http://schemas.microsoft.com/office/powerpoint/2010/main" val="2179116631"/>
       </p:ext>
     </p:extLst>
   </p:cSld>
@@ -4932,7 +4956,7 @@
           <p:cNvPr id="2" name="Title 1">
             <a:extLst>
               <a:ext uri="{FF2B5EF4-FFF2-40B4-BE49-F238E27FC236}">
-                <a16:creationId xmlns:a16="http://schemas.microsoft.com/office/drawing/2014/main" id="{2C898ED7-5233-463E-823B-7E502372041A}"/>
+                <a16:creationId xmlns:a16="http://schemas.microsoft.com/office/drawing/2014/main" id="{C19043ED-BAEC-48CC-A381-26D37EFD9371}"/>
               </a:ext>
             </a:extLst>
           </p:cNvPr>
@@ -4961,7 +4985,7 @@
           <p:cNvPr id="3" name="Content Placeholder 2">
             <a:extLst>
               <a:ext uri="{FF2B5EF4-FFF2-40B4-BE49-F238E27FC236}">
-                <a16:creationId xmlns:a16="http://schemas.microsoft.com/office/drawing/2014/main" id="{B828251D-1D44-4555-87D9-FE0D3742E404}"/>
+                <a16:creationId xmlns:a16="http://schemas.microsoft.com/office/drawing/2014/main" id="{846918E6-C42C-405E-BA63-B54845C739EA}"/>
               </a:ext>
             </a:extLst>
           </p:cNvPr>
@@ -4979,14 +5003,33 @@
           <a:p>
             <a:r>
               <a:rPr lang="el-GR" dirty="0"/>
-              <a:t>Οι συνδεδεμένοι χρήστες αντιπροσωπεύουν άτομα της κάθε εταιρείας παροχής συνδέσεων</a:t>
-            </a:r>
+              <a:t>Για την επεξεργασία των δεδομένων απαιτείται πιστοποίηση</a:t>
+            </a:r>
+            <a:endParaRPr lang="en-US" dirty="0"/>
           </a:p>
           <a:p>
             <a:r>
               <a:rPr lang="el-GR" dirty="0"/>
-              <a:t>Έχουν δικαίωμα επεξεργασίας των πληροφοριών σχετικά με τις συνδέσεις</a:t>
-            </a:r>
+              <a:t>Η σύνδεση πραγματοποιείται σε συγκεκριμένο </a:t>
+            </a:r>
+            <a:r>
+              <a:rPr lang="en-US" dirty="0"/>
+              <a:t>endpoint</a:t>
+            </a:r>
+            <a:endParaRPr lang="el-GR" dirty="0"/>
+          </a:p>
+          <a:p>
+            <a:r>
+              <a:rPr lang="el-GR" dirty="0"/>
+              <a:t>Επιστρέφεται </a:t>
+            </a:r>
+            <a:r>
+              <a:rPr lang="en-US" u="sng" dirty="0"/>
+              <a:t>JSON Web Token</a:t>
+            </a:r>
+            <a:endParaRPr lang="el-GR" u="sng" dirty="0"/>
+          </a:p>
+          <a:p>
             <a:endParaRPr lang="en-US" dirty="0"/>
           </a:p>
         </p:txBody>
@@ -4994,7 +5037,7 @@
     </p:spTree>
     <p:extLst>
       <p:ext uri="{BB962C8B-B14F-4D97-AF65-F5344CB8AC3E}">
-        <p14:creationId xmlns:p14="http://schemas.microsoft.com/office/powerpoint/2010/main" val="3963947271"/>
+        <p14:creationId xmlns:p14="http://schemas.microsoft.com/office/powerpoint/2010/main" val="833162913"/>
       </p:ext>
     </p:extLst>
   </p:cSld>
